--- a/doc/Presentation.pptx
+++ b/doc/Presentation.pptx
@@ -5,32 +5,36 @@
     <p:sldMasterId id="2147483649" r:id="rId1"/>
   </p:sldMasterIdLst>
   <p:notesMasterIdLst>
-    <p:notesMasterId r:id="rId5"/>
+    <p:notesMasterId r:id="rId9"/>
   </p:notesMasterIdLst>
   <p:handoutMasterIdLst>
-    <p:handoutMasterId r:id="rId6"/>
+    <p:handoutMasterId r:id="rId10"/>
   </p:handoutMasterIdLst>
   <p:sldIdLst>
     <p:sldId id="256" r:id="rId2"/>
     <p:sldId id="257" r:id="rId3"/>
-    <p:sldId id="259" r:id="rId4"/>
+    <p:sldId id="260" r:id="rId4"/>
+    <p:sldId id="261" r:id="rId5"/>
+    <p:sldId id="263" r:id="rId6"/>
+    <p:sldId id="267" r:id="rId7"/>
+    <p:sldId id="259" r:id="rId8"/>
   </p:sldIdLst>
   <p:sldSz cx="9144000" cy="6858000" type="screen4x3"/>
   <p:notesSz cx="7099300" cy="10234613"/>
   <p:embeddedFontLst>
     <p:embeddedFont>
       <p:font typeface="Trebuchet MS" panose="020B0603020202020204" pitchFamily="34" charset="0"/>
-      <p:regular r:id="rId7"/>
-      <p:bold r:id="rId8"/>
-      <p:italic r:id="rId9"/>
-      <p:boldItalic r:id="rId10"/>
-    </p:embeddedFont>
-    <p:embeddedFont>
-      <p:font typeface="Calibri" panose="020F0502020204030204" pitchFamily="34" charset="0"/>
       <p:regular r:id="rId11"/>
       <p:bold r:id="rId12"/>
       <p:italic r:id="rId13"/>
       <p:boldItalic r:id="rId14"/>
+    </p:embeddedFont>
+    <p:embeddedFont>
+      <p:font typeface="Calibri" panose="020F0502020204030204" pitchFamily="34" charset="0"/>
+      <p:regular r:id="rId15"/>
+      <p:bold r:id="rId16"/>
+      <p:italic r:id="rId17"/>
+      <p:boldItalic r:id="rId18"/>
     </p:embeddedFont>
   </p:embeddedFontLst>
   <p:defaultTextStyle>
@@ -165,6 +169,10 @@
           <p14:sldIdLst>
             <p14:sldId id="256"/>
             <p14:sldId id="257"/>
+            <p14:sldId id="260"/>
+            <p14:sldId id="261"/>
+            <p14:sldId id="263"/>
+            <p14:sldId id="267"/>
             <p14:sldId id="259"/>
           </p14:sldIdLst>
         </p14:section>
@@ -952,7 +960,7 @@
           <a:p>
             <a:fld id="{0C6D4EAD-B189-4D29-AC9E-025EE00617A2}" type="slidenum">
               <a:rPr lang="en-US" smtClean="0"/>
-              <a:t>3</a:t>
+              <a:t>7</a:t>
             </a:fld>
             <a:endParaRPr lang="en-US"/>
           </a:p>
@@ -4564,11 +4572,7 @@
             <a:pPr eaLnBrk="1" hangingPunct="1"/>
             <a:r>
               <a:rPr lang="pl-PL" dirty="0" smtClean="0"/>
-              <a:t>Sebastian </a:t>
-            </a:r>
-            <a:r>
-              <a:rPr lang="pl-PL" dirty="0" smtClean="0"/>
-              <a:t>Łasisz 183668</a:t>
+              <a:t>Sebastian Łasisz 183668</a:t>
             </a:r>
           </a:p>
           <a:p>
@@ -4577,7 +4581,6 @@
               <a:rPr lang="pl-PL" dirty="0" smtClean="0"/>
               <a:t>Dominik Janusiewicz</a:t>
             </a:r>
-            <a:endParaRPr lang="pl-PL" dirty="0" smtClean="0"/>
           </a:p>
           <a:p>
             <a:pPr eaLnBrk="1" hangingPunct="1"/>
@@ -4585,27 +4588,13 @@
               <a:rPr lang="pl-PL" dirty="0" smtClean="0"/>
               <a:t>Integracja systemów informacyjnych – projekt</a:t>
             </a:r>
-            <a:endParaRPr lang="pl-PL" dirty="0" smtClean="0"/>
           </a:p>
           <a:p>
             <a:pPr eaLnBrk="1" hangingPunct="1"/>
             <a:r>
               <a:rPr lang="pl-PL" dirty="0" smtClean="0"/>
-              <a:t>Śr.</a:t>
-            </a:r>
-            <a:r>
-              <a:rPr lang="pl-PL" dirty="0" smtClean="0"/>
-              <a:t> 17:05 </a:t>
-            </a:r>
-            <a:r>
-              <a:rPr lang="pl-PL" dirty="0" smtClean="0"/>
-              <a:t>– </a:t>
-            </a:r>
-            <a:r>
-              <a:rPr lang="pl-PL" dirty="0" smtClean="0"/>
-              <a:t>18:55</a:t>
-            </a:r>
-            <a:endParaRPr lang="pl-PL" dirty="0" smtClean="0"/>
+              <a:t>Śr. 17:05 – 18:55</a:t>
+            </a:r>
           </a:p>
         </p:txBody>
       </p:sp>
@@ -4785,6 +4774,552 @@
 </file>
 
 <file path=ppt/slides/slide3.xml><?xml version="1.0" encoding="utf-8"?>
+<p:sld xmlns:a="http://schemas.openxmlformats.org/drawingml/2006/main" xmlns:r="http://schemas.openxmlformats.org/officeDocument/2006/relationships" xmlns:p="http://schemas.openxmlformats.org/presentationml/2006/main">
+  <p:cSld>
+    <p:spTree>
+      <p:nvGrpSpPr>
+        <p:cNvPr id="1" name=""/>
+        <p:cNvGrpSpPr/>
+        <p:nvPr/>
+      </p:nvGrpSpPr>
+      <p:grpSpPr>
+        <a:xfrm>
+          <a:off x="0" y="0"/>
+          <a:ext cx="0" cy="0"/>
+          <a:chOff x="0" y="0"/>
+          <a:chExt cx="0" cy="0"/>
+        </a:xfrm>
+      </p:grpSpPr>
+      <p:pic>
+        <p:nvPicPr>
+          <p:cNvPr id="5" name="Symbol zastępczy zawartości 4"/>
+          <p:cNvPicPr>
+            <a:picLocks noGrp="1" noChangeAspect="1"/>
+          </p:cNvPicPr>
+          <p:nvPr>
+            <p:ph idx="1"/>
+          </p:nvPr>
+        </p:nvPicPr>
+        <p:blipFill>
+          <a:blip r:embed="rId2">
+            <a:extLst>
+              <a:ext uri="{28A0092B-C50C-407E-A947-70E740481C1C}">
+                <a14:useLocalDpi xmlns:a14="http://schemas.microsoft.com/office/drawing/2010/main" val="0"/>
+              </a:ext>
+            </a:extLst>
+          </a:blip>
+          <a:stretch>
+            <a:fillRect/>
+          </a:stretch>
+        </p:blipFill>
+        <p:spPr>
+          <a:xfrm>
+            <a:off x="611188" y="1941930"/>
+            <a:ext cx="8424862" cy="4283828"/>
+          </a:xfrm>
+        </p:spPr>
+      </p:pic>
+      <p:sp>
+        <p:nvSpPr>
+          <p:cNvPr id="3" name="Symbol zastępczy numeru slajdu 2"/>
+          <p:cNvSpPr>
+            <a:spLocks noGrp="1"/>
+          </p:cNvSpPr>
+          <p:nvPr>
+            <p:ph type="sldNum" sz="quarter" idx="12"/>
+          </p:nvPr>
+        </p:nvSpPr>
+        <p:spPr/>
+        <p:txBody>
+          <a:bodyPr/>
+          <a:lstStyle/>
+          <a:p>
+            <a:fld id="{DF66FC49-DFCE-4475-9E6F-B89E83D297F6}" type="slidenum">
+              <a:rPr lang="pl-PL" smtClean="0"/>
+              <a:pPr/>
+              <a:t>3</a:t>
+            </a:fld>
+            <a:r>
+              <a:rPr lang="pl-PL" smtClean="0"/>
+              <a:t> / 60</a:t>
+            </a:r>
+            <a:endParaRPr lang="pl-PL" dirty="0"/>
+          </a:p>
+        </p:txBody>
+      </p:sp>
+      <p:sp>
+        <p:nvSpPr>
+          <p:cNvPr id="4" name="Tytuł 3"/>
+          <p:cNvSpPr>
+            <a:spLocks noGrp="1"/>
+          </p:cNvSpPr>
+          <p:nvPr>
+            <p:ph type="title"/>
+          </p:nvPr>
+        </p:nvSpPr>
+        <p:spPr/>
+        <p:txBody>
+          <a:bodyPr/>
+          <a:lstStyle/>
+          <a:p>
+            <a:r>
+              <a:rPr lang="pl-PL" dirty="0" smtClean="0"/>
+              <a:t>Class diagram – </a:t>
+            </a:r>
+            <a:r>
+              <a:rPr lang="pl-PL" dirty="0" err="1" smtClean="0"/>
+              <a:t>minified</a:t>
+            </a:r>
+            <a:endParaRPr lang="pl-PL" dirty="0"/>
+          </a:p>
+        </p:txBody>
+      </p:sp>
+    </p:spTree>
+    <p:extLst>
+      <p:ext uri="{BB962C8B-B14F-4D97-AF65-F5344CB8AC3E}">
+        <p14:creationId xmlns:p14="http://schemas.microsoft.com/office/powerpoint/2010/main" val="4099925436"/>
+      </p:ext>
+    </p:extLst>
+  </p:cSld>
+  <p:clrMapOvr>
+    <a:masterClrMapping/>
+  </p:clrMapOvr>
+  <p:transition>
+    <p:randomBar/>
+  </p:transition>
+  <p:timing>
+    <p:tnLst>
+      <p:par>
+        <p:cTn id="1" dur="indefinite" restart="never" nodeType="tmRoot"/>
+      </p:par>
+    </p:tnLst>
+  </p:timing>
+</p:sld>
+</file>
+
+<file path=ppt/slides/slide4.xml><?xml version="1.0" encoding="utf-8"?>
+<p:sld xmlns:a="http://schemas.openxmlformats.org/drawingml/2006/main" xmlns:r="http://schemas.openxmlformats.org/officeDocument/2006/relationships" xmlns:p="http://schemas.openxmlformats.org/presentationml/2006/main">
+  <p:cSld>
+    <p:spTree>
+      <p:nvGrpSpPr>
+        <p:cNvPr id="1" name=""/>
+        <p:cNvGrpSpPr/>
+        <p:nvPr/>
+      </p:nvGrpSpPr>
+      <p:grpSpPr>
+        <a:xfrm>
+          <a:off x="0" y="0"/>
+          <a:ext cx="0" cy="0"/>
+          <a:chOff x="0" y="0"/>
+          <a:chExt cx="0" cy="0"/>
+        </a:xfrm>
+      </p:grpSpPr>
+      <p:pic>
+        <p:nvPicPr>
+          <p:cNvPr id="5" name="Symbol zastępczy zawartości 4"/>
+          <p:cNvPicPr>
+            <a:picLocks noGrp="1" noChangeAspect="1"/>
+          </p:cNvPicPr>
+          <p:nvPr>
+            <p:ph idx="1"/>
+          </p:nvPr>
+        </p:nvPicPr>
+        <p:blipFill>
+          <a:blip r:embed="rId2" cstate="print">
+            <a:extLst>
+              <a:ext uri="{28A0092B-C50C-407E-A947-70E740481C1C}">
+                <a14:useLocalDpi xmlns:a14="http://schemas.microsoft.com/office/drawing/2010/main" val="0"/>
+              </a:ext>
+            </a:extLst>
+          </a:blip>
+          <a:stretch>
+            <a:fillRect/>
+          </a:stretch>
+        </p:blipFill>
+        <p:spPr>
+          <a:xfrm>
+            <a:off x="2411760" y="1916832"/>
+            <a:ext cx="4608512" cy="4901361"/>
+          </a:xfrm>
+        </p:spPr>
+      </p:pic>
+      <p:sp>
+        <p:nvSpPr>
+          <p:cNvPr id="3" name="Symbol zastępczy numeru slajdu 2"/>
+          <p:cNvSpPr>
+            <a:spLocks noGrp="1"/>
+          </p:cNvSpPr>
+          <p:nvPr>
+            <p:ph type="sldNum" sz="quarter" idx="12"/>
+          </p:nvPr>
+        </p:nvSpPr>
+        <p:spPr/>
+        <p:txBody>
+          <a:bodyPr/>
+          <a:lstStyle/>
+          <a:p>
+            <a:fld id="{DF66FC49-DFCE-4475-9E6F-B89E83D297F6}" type="slidenum">
+              <a:rPr lang="pl-PL" smtClean="0"/>
+              <a:pPr/>
+              <a:t>4</a:t>
+            </a:fld>
+            <a:r>
+              <a:rPr lang="pl-PL" smtClean="0"/>
+              <a:t> / 60</a:t>
+            </a:r>
+            <a:endParaRPr lang="pl-PL" dirty="0"/>
+          </a:p>
+        </p:txBody>
+      </p:sp>
+      <p:sp>
+        <p:nvSpPr>
+          <p:cNvPr id="4" name="Tytuł 3"/>
+          <p:cNvSpPr>
+            <a:spLocks noGrp="1"/>
+          </p:cNvSpPr>
+          <p:nvPr>
+            <p:ph type="title"/>
+          </p:nvPr>
+        </p:nvSpPr>
+        <p:spPr/>
+        <p:txBody>
+          <a:bodyPr/>
+          <a:lstStyle/>
+          <a:p>
+            <a:r>
+              <a:rPr lang="pl-PL" dirty="0" smtClean="0"/>
+              <a:t>Class diagram - </a:t>
+            </a:r>
+            <a:r>
+              <a:rPr lang="pl-PL" dirty="0" err="1" smtClean="0"/>
+              <a:t>full</a:t>
+            </a:r>
+            <a:endParaRPr lang="pl-PL" dirty="0"/>
+          </a:p>
+        </p:txBody>
+      </p:sp>
+    </p:spTree>
+    <p:extLst>
+      <p:ext uri="{BB962C8B-B14F-4D97-AF65-F5344CB8AC3E}">
+        <p14:creationId xmlns:p14="http://schemas.microsoft.com/office/powerpoint/2010/main" val="3028745581"/>
+      </p:ext>
+    </p:extLst>
+  </p:cSld>
+  <p:clrMapOvr>
+    <a:masterClrMapping/>
+  </p:clrMapOvr>
+  <p:transition>
+    <p:randomBar/>
+  </p:transition>
+  <p:timing>
+    <p:tnLst>
+      <p:par>
+        <p:cTn id="1" dur="indefinite" restart="never" nodeType="tmRoot"/>
+      </p:par>
+    </p:tnLst>
+  </p:timing>
+</p:sld>
+</file>
+
+<file path=ppt/slides/slide5.xml><?xml version="1.0" encoding="utf-8"?>
+<p:sld xmlns:a="http://schemas.openxmlformats.org/drawingml/2006/main" xmlns:r="http://schemas.openxmlformats.org/officeDocument/2006/relationships" xmlns:p="http://schemas.openxmlformats.org/presentationml/2006/main">
+  <p:cSld>
+    <p:spTree>
+      <p:nvGrpSpPr>
+        <p:cNvPr id="1" name=""/>
+        <p:cNvGrpSpPr/>
+        <p:nvPr/>
+      </p:nvGrpSpPr>
+      <p:grpSpPr>
+        <a:xfrm>
+          <a:off x="0" y="0"/>
+          <a:ext cx="0" cy="0"/>
+          <a:chOff x="0" y="0"/>
+          <a:chExt cx="0" cy="0"/>
+        </a:xfrm>
+      </p:grpSpPr>
+      <p:pic>
+        <p:nvPicPr>
+          <p:cNvPr id="5" name="Symbol zastępczy zawartości 4"/>
+          <p:cNvPicPr>
+            <a:picLocks noGrp="1" noChangeAspect="1"/>
+          </p:cNvPicPr>
+          <p:nvPr>
+            <p:ph idx="1"/>
+          </p:nvPr>
+        </p:nvPicPr>
+        <p:blipFill>
+          <a:blip r:embed="rId2" cstate="print">
+            <a:extLst>
+              <a:ext uri="{28A0092B-C50C-407E-A947-70E740481C1C}">
+                <a14:useLocalDpi xmlns:a14="http://schemas.microsoft.com/office/drawing/2010/main" val="0"/>
+              </a:ext>
+            </a:extLst>
+          </a:blip>
+          <a:stretch>
+            <a:fillRect/>
+          </a:stretch>
+        </p:blipFill>
+        <p:spPr>
+          <a:xfrm>
+            <a:off x="611188" y="1788121"/>
+            <a:ext cx="8137276" cy="5038001"/>
+          </a:xfrm>
+        </p:spPr>
+      </p:pic>
+      <p:sp>
+        <p:nvSpPr>
+          <p:cNvPr id="3" name="Symbol zastępczy numeru slajdu 2"/>
+          <p:cNvSpPr>
+            <a:spLocks noGrp="1"/>
+          </p:cNvSpPr>
+          <p:nvPr>
+            <p:ph type="sldNum" sz="quarter" idx="12"/>
+          </p:nvPr>
+        </p:nvSpPr>
+        <p:spPr/>
+        <p:txBody>
+          <a:bodyPr/>
+          <a:lstStyle/>
+          <a:p>
+            <a:fld id="{DF66FC49-DFCE-4475-9E6F-B89E83D297F6}" type="slidenum">
+              <a:rPr lang="pl-PL" smtClean="0"/>
+              <a:pPr/>
+              <a:t>5</a:t>
+            </a:fld>
+            <a:r>
+              <a:rPr lang="pl-PL" smtClean="0"/>
+              <a:t> / 60</a:t>
+            </a:r>
+            <a:endParaRPr lang="pl-PL" dirty="0"/>
+          </a:p>
+        </p:txBody>
+      </p:sp>
+      <p:sp>
+        <p:nvSpPr>
+          <p:cNvPr id="4" name="Tytuł 3"/>
+          <p:cNvSpPr>
+            <a:spLocks noGrp="1"/>
+          </p:cNvSpPr>
+          <p:nvPr>
+            <p:ph type="title"/>
+          </p:nvPr>
+        </p:nvSpPr>
+        <p:spPr/>
+        <p:txBody>
+          <a:bodyPr/>
+          <a:lstStyle/>
+          <a:p>
+            <a:r>
+              <a:rPr lang="pl-PL" dirty="0" smtClean="0"/>
+              <a:t>ERD Diagram</a:t>
+            </a:r>
+            <a:endParaRPr lang="pl-PL" dirty="0"/>
+          </a:p>
+        </p:txBody>
+      </p:sp>
+    </p:spTree>
+    <p:extLst>
+      <p:ext uri="{BB962C8B-B14F-4D97-AF65-F5344CB8AC3E}">
+        <p14:creationId xmlns:p14="http://schemas.microsoft.com/office/powerpoint/2010/main" val="90814864"/>
+      </p:ext>
+    </p:extLst>
+  </p:cSld>
+  <p:clrMapOvr>
+    <a:masterClrMapping/>
+  </p:clrMapOvr>
+  <p:transition>
+    <p:randomBar/>
+  </p:transition>
+  <p:timing>
+    <p:tnLst>
+      <p:par>
+        <p:cTn id="1" dur="indefinite" restart="never" nodeType="tmRoot"/>
+      </p:par>
+    </p:tnLst>
+  </p:timing>
+</p:sld>
+</file>
+
+<file path=ppt/slides/slide6.xml><?xml version="1.0" encoding="utf-8"?>
+<p:sld xmlns:a="http://schemas.openxmlformats.org/drawingml/2006/main" xmlns:r="http://schemas.openxmlformats.org/officeDocument/2006/relationships" xmlns:p="http://schemas.openxmlformats.org/presentationml/2006/main">
+  <p:cSld>
+    <p:spTree>
+      <p:nvGrpSpPr>
+        <p:cNvPr id="1" name=""/>
+        <p:cNvGrpSpPr/>
+        <p:nvPr/>
+      </p:nvGrpSpPr>
+      <p:grpSpPr>
+        <a:xfrm>
+          <a:off x="0" y="0"/>
+          <a:ext cx="0" cy="0"/>
+          <a:chOff x="0" y="0"/>
+          <a:chExt cx="0" cy="0"/>
+        </a:xfrm>
+      </p:grpSpPr>
+      <p:sp>
+        <p:nvSpPr>
+          <p:cNvPr id="2" name="Symbol zastępczy zawartości 1"/>
+          <p:cNvSpPr>
+            <a:spLocks noGrp="1"/>
+          </p:cNvSpPr>
+          <p:nvPr>
+            <p:ph idx="1"/>
+          </p:nvPr>
+        </p:nvSpPr>
+        <p:spPr/>
+        <p:txBody>
+          <a:bodyPr/>
+          <a:lstStyle/>
+          <a:p>
+            <a:r>
+              <a:rPr lang="pl-PL" sz="2800" dirty="0" smtClean="0"/>
+              <a:t>Google </a:t>
+            </a:r>
+            <a:r>
+              <a:rPr lang="pl-PL" sz="2800" dirty="0" err="1" smtClean="0"/>
+              <a:t>Calendar</a:t>
+            </a:r>
+            <a:r>
+              <a:rPr lang="pl-PL" sz="2800" dirty="0" smtClean="0"/>
+              <a:t> API</a:t>
+            </a:r>
+          </a:p>
+          <a:p>
+            <a:pPr marL="0" indent="0">
+              <a:buNone/>
+            </a:pPr>
+            <a:r>
+              <a:rPr lang="pl-PL" sz="2800" dirty="0" smtClean="0"/>
+              <a:t>https</a:t>
+            </a:r>
+            <a:r>
+              <a:rPr lang="pl-PL" sz="2800" dirty="0"/>
+              <a:t>://developers.google.com/google-apps/calendar</a:t>
+            </a:r>
+            <a:r>
+              <a:rPr lang="pl-PL" sz="2800" dirty="0" smtClean="0"/>
+              <a:t>/</a:t>
+            </a:r>
+          </a:p>
+          <a:p>
+            <a:r>
+              <a:rPr lang="pl-PL" sz="2800" dirty="0" err="1" smtClean="0"/>
+              <a:t>Trello</a:t>
+            </a:r>
+            <a:r>
+              <a:rPr lang="pl-PL" sz="2800" dirty="0" smtClean="0"/>
+              <a:t> API </a:t>
+            </a:r>
+          </a:p>
+          <a:p>
+            <a:pPr marL="0" indent="0">
+              <a:buNone/>
+            </a:pPr>
+            <a:r>
+              <a:rPr lang="pl-PL" sz="2800" dirty="0" smtClean="0"/>
+              <a:t>https://developers.trello.com/</a:t>
+            </a:r>
+          </a:p>
+          <a:p>
+            <a:r>
+              <a:rPr lang="pl-PL" sz="2800" dirty="0" err="1" smtClean="0"/>
+              <a:t>Edamam</a:t>
+            </a:r>
+            <a:r>
+              <a:rPr lang="pl-PL" sz="2800" dirty="0" smtClean="0"/>
+              <a:t> API </a:t>
+            </a:r>
+          </a:p>
+          <a:p>
+            <a:pPr marL="0" indent="0">
+              <a:buNone/>
+            </a:pPr>
+            <a:r>
+              <a:rPr lang="pl-PL" sz="2800" dirty="0" smtClean="0"/>
+              <a:t>https</a:t>
+            </a:r>
+            <a:r>
+              <a:rPr lang="pl-PL" sz="2800" dirty="0"/>
+              <a:t>://developer.edamam.com</a:t>
+            </a:r>
+            <a:r>
+              <a:rPr lang="pl-PL" sz="2800" dirty="0" smtClean="0"/>
+              <a:t>/</a:t>
+            </a:r>
+            <a:endParaRPr lang="pl-PL" sz="2800" dirty="0"/>
+          </a:p>
+        </p:txBody>
+      </p:sp>
+      <p:sp>
+        <p:nvSpPr>
+          <p:cNvPr id="3" name="Symbol zastępczy numeru slajdu 2"/>
+          <p:cNvSpPr>
+            <a:spLocks noGrp="1"/>
+          </p:cNvSpPr>
+          <p:nvPr>
+            <p:ph type="sldNum" sz="quarter" idx="12"/>
+          </p:nvPr>
+        </p:nvSpPr>
+        <p:spPr/>
+        <p:txBody>
+          <a:bodyPr/>
+          <a:lstStyle/>
+          <a:p>
+            <a:fld id="{DF66FC49-DFCE-4475-9E6F-B89E83D297F6}" type="slidenum">
+              <a:rPr lang="pl-PL" smtClean="0"/>
+              <a:pPr/>
+              <a:t>6</a:t>
+            </a:fld>
+            <a:r>
+              <a:rPr lang="pl-PL" smtClean="0"/>
+              <a:t> / 60</a:t>
+            </a:r>
+            <a:endParaRPr lang="pl-PL" dirty="0"/>
+          </a:p>
+        </p:txBody>
+      </p:sp>
+      <p:sp>
+        <p:nvSpPr>
+          <p:cNvPr id="4" name="Tytuł 3"/>
+          <p:cNvSpPr>
+            <a:spLocks noGrp="1"/>
+          </p:cNvSpPr>
+          <p:nvPr>
+            <p:ph type="title"/>
+          </p:nvPr>
+        </p:nvSpPr>
+        <p:spPr/>
+        <p:txBody>
+          <a:bodyPr/>
+          <a:lstStyle/>
+          <a:p>
+            <a:r>
+              <a:rPr lang="pl-PL" dirty="0" smtClean="0"/>
+              <a:t>Wykorzystane API</a:t>
+            </a:r>
+            <a:endParaRPr lang="pl-PL" dirty="0"/>
+          </a:p>
+        </p:txBody>
+      </p:sp>
+    </p:spTree>
+    <p:extLst>
+      <p:ext uri="{BB962C8B-B14F-4D97-AF65-F5344CB8AC3E}">
+        <p14:creationId xmlns:p14="http://schemas.microsoft.com/office/powerpoint/2010/main" val="2541225407"/>
+      </p:ext>
+    </p:extLst>
+  </p:cSld>
+  <p:clrMapOvr>
+    <a:masterClrMapping/>
+  </p:clrMapOvr>
+  <p:transition>
+    <p:randomBar/>
+  </p:transition>
+</p:sld>
+</file>
+
+<file path=ppt/slides/slide7.xml><?xml version="1.0" encoding="utf-8"?>
 <p:sld xmlns:a="http://schemas.openxmlformats.org/drawingml/2006/main" xmlns:r="http://schemas.openxmlformats.org/officeDocument/2006/relationships" xmlns:p="http://schemas.openxmlformats.org/presentationml/2006/main">
   <p:cSld>
     <p:spTree>

--- a/doc/Presentation.pptx
+++ b/doc/Presentation.pptx
@@ -5,36 +5,42 @@
     <p:sldMasterId id="2147483649" r:id="rId1"/>
   </p:sldMasterIdLst>
   <p:notesMasterIdLst>
-    <p:notesMasterId r:id="rId9"/>
+    <p:notesMasterId r:id="rId15"/>
   </p:notesMasterIdLst>
   <p:handoutMasterIdLst>
-    <p:handoutMasterId r:id="rId10"/>
+    <p:handoutMasterId r:id="rId16"/>
   </p:handoutMasterIdLst>
   <p:sldIdLst>
     <p:sldId id="256" r:id="rId2"/>
     <p:sldId id="257" r:id="rId3"/>
-    <p:sldId id="260" r:id="rId4"/>
-    <p:sldId id="261" r:id="rId5"/>
-    <p:sldId id="263" r:id="rId6"/>
-    <p:sldId id="267" r:id="rId7"/>
-    <p:sldId id="259" r:id="rId8"/>
+    <p:sldId id="269" r:id="rId4"/>
+    <p:sldId id="280" r:id="rId5"/>
+    <p:sldId id="281" r:id="rId6"/>
+    <p:sldId id="263" r:id="rId7"/>
+    <p:sldId id="278" r:id="rId8"/>
+    <p:sldId id="279" r:id="rId9"/>
+    <p:sldId id="277" r:id="rId10"/>
+    <p:sldId id="276" r:id="rId11"/>
+    <p:sldId id="270" r:id="rId12"/>
+    <p:sldId id="274" r:id="rId13"/>
+    <p:sldId id="259" r:id="rId14"/>
   </p:sldIdLst>
   <p:sldSz cx="9144000" cy="6858000" type="screen4x3"/>
   <p:notesSz cx="7099300" cy="10234613"/>
   <p:embeddedFontLst>
     <p:embeddedFont>
       <p:font typeface="Trebuchet MS" panose="020B0603020202020204" pitchFamily="34" charset="0"/>
-      <p:regular r:id="rId11"/>
-      <p:bold r:id="rId12"/>
-      <p:italic r:id="rId13"/>
-      <p:boldItalic r:id="rId14"/>
+      <p:regular r:id="rId17"/>
+      <p:bold r:id="rId18"/>
+      <p:italic r:id="rId19"/>
+      <p:boldItalic r:id="rId20"/>
     </p:embeddedFont>
     <p:embeddedFont>
       <p:font typeface="Calibri" panose="020F0502020204030204" pitchFamily="34" charset="0"/>
-      <p:regular r:id="rId15"/>
-      <p:bold r:id="rId16"/>
-      <p:italic r:id="rId17"/>
-      <p:boldItalic r:id="rId18"/>
+      <p:regular r:id="rId21"/>
+      <p:bold r:id="rId22"/>
+      <p:italic r:id="rId23"/>
+      <p:boldItalic r:id="rId24"/>
     </p:embeddedFont>
   </p:embeddedFontLst>
   <p:defaultTextStyle>
@@ -169,10 +175,16 @@
           <p14:sldIdLst>
             <p14:sldId id="256"/>
             <p14:sldId id="257"/>
-            <p14:sldId id="260"/>
-            <p14:sldId id="261"/>
+            <p14:sldId id="269"/>
+            <p14:sldId id="280"/>
+            <p14:sldId id="281"/>
             <p14:sldId id="263"/>
-            <p14:sldId id="267"/>
+            <p14:sldId id="278"/>
+            <p14:sldId id="279"/>
+            <p14:sldId id="277"/>
+            <p14:sldId id="276"/>
+            <p14:sldId id="270"/>
+            <p14:sldId id="274"/>
             <p14:sldId id="259"/>
           </p14:sldIdLst>
         </p14:section>
@@ -293,7 +305,7 @@
             <a:fld id="{18382661-630D-415D-A7D3-E7791657338F}" type="datetimeFigureOut">
               <a:rPr lang="pl-PL" smtClean="0"/>
               <a:pPr/>
-              <a:t>28.05.2016</a:t>
+              <a:t>07.06.2016</a:t>
             </a:fld>
             <a:endParaRPr lang="pl-PL"/>
           </a:p>
@@ -459,7 +471,7 @@
           <a:p>
             <a:fld id="{9E1A854F-187D-442C-A8DE-18F4DBE380BD}" type="datetimeFigureOut">
               <a:rPr lang="en-US" smtClean="0"/>
-              <a:t>5/28/2016</a:t>
+              <a:t>6/7/2016</a:t>
             </a:fld>
             <a:endParaRPr lang="en-US"/>
           </a:p>
@@ -914,7 +926,7 @@
       </p:grpSpPr>
       <p:sp>
         <p:nvSpPr>
-          <p:cNvPr id="2" name="Slide Image Placeholder 1"/>
+          <p:cNvPr id="2" name="Symbol zastępczy obrazu slajdu 1"/>
           <p:cNvSpPr>
             <a:spLocks noGrp="1" noRot="1" noChangeAspect="1"/>
           </p:cNvSpPr>
@@ -926,7 +938,7 @@
       </p:sp>
       <p:sp>
         <p:nvSpPr>
-          <p:cNvPr id="3" name="Notes Placeholder 2"/>
+          <p:cNvPr id="3" name="Symbol zastępczy notatek 2"/>
           <p:cNvSpPr>
             <a:spLocks noGrp="1"/>
           </p:cNvSpPr>
@@ -939,13 +951,314 @@
           <a:bodyPr/>
           <a:lstStyle/>
           <a:p>
-            <a:endParaRPr lang="en-US" dirty="0"/>
-          </a:p>
-        </p:txBody>
-      </p:sp>
-      <p:sp>
-        <p:nvSpPr>
-          <p:cNvPr id="4" name="Slide Number Placeholder 3"/>
+            <a:pPr marL="0" marR="0" indent="0" algn="l" defTabSz="914400" rtl="0" eaLnBrk="1" fontAlgn="auto" latinLnBrk="0" hangingPunct="1">
+              <a:lnSpc>
+                <a:spcPct val="100000"/>
+              </a:lnSpc>
+              <a:spcBef>
+                <a:spcPts val="0"/>
+              </a:spcBef>
+              <a:spcAft>
+                <a:spcPts val="0"/>
+              </a:spcAft>
+              <a:buClrTx/>
+              <a:buSzTx/>
+              <a:buFontTx/>
+              <a:buNone/>
+              <a:tabLst/>
+              <a:defRPr/>
+            </a:pPr>
+            <a:r>
+              <a:rPr lang="en-US" b="1" dirty="0" smtClean="0"/>
+              <a:t>1. Fully Featured Out Of The Box</a:t>
+            </a:r>
+          </a:p>
+          <a:p>
+            <a:pPr marL="0" marR="0" indent="0" algn="l" defTabSz="914400" rtl="0" eaLnBrk="1" fontAlgn="auto" latinLnBrk="0" hangingPunct="1">
+              <a:lnSpc>
+                <a:spcPct val="100000"/>
+              </a:lnSpc>
+              <a:spcBef>
+                <a:spcPts val="0"/>
+              </a:spcBef>
+              <a:spcAft>
+                <a:spcPts val="0"/>
+              </a:spcAft>
+              <a:buClrTx/>
+              <a:buSzTx/>
+              <a:buFontTx/>
+              <a:buNone/>
+              <a:tabLst/>
+              <a:defRPr/>
+            </a:pPr>
+            <a:r>
+              <a:rPr lang="pl-PL" b="1" dirty="0" smtClean="0"/>
+              <a:t>2. Great </a:t>
+            </a:r>
+            <a:r>
+              <a:rPr lang="pl-PL" b="1" dirty="0" err="1" smtClean="0"/>
+              <a:t>Community</a:t>
+            </a:r>
+            <a:endParaRPr lang="pl-PL" b="1" dirty="0" smtClean="0"/>
+          </a:p>
+          <a:p>
+            <a:pPr marL="0" marR="0" indent="0" algn="l" defTabSz="914400" rtl="0" eaLnBrk="1" fontAlgn="auto" latinLnBrk="0" hangingPunct="1">
+              <a:lnSpc>
+                <a:spcPct val="100000"/>
+              </a:lnSpc>
+              <a:spcBef>
+                <a:spcPts val="0"/>
+              </a:spcBef>
+              <a:spcAft>
+                <a:spcPts val="0"/>
+              </a:spcAft>
+              <a:buClrTx/>
+              <a:buSzTx/>
+              <a:buFontTx/>
+              <a:buNone/>
+              <a:tabLst/>
+              <a:defRPr/>
+            </a:pPr>
+            <a:r>
+              <a:rPr lang="en-US" b="1" dirty="0" smtClean="0"/>
+              <a:t>3. Tons Of Coders Available</a:t>
+            </a:r>
+          </a:p>
+          <a:p>
+            <a:pPr marL="0" marR="0" indent="0" algn="l" defTabSz="914400" rtl="0" eaLnBrk="1" fontAlgn="auto" latinLnBrk="0" hangingPunct="1">
+              <a:lnSpc>
+                <a:spcPct val="100000"/>
+              </a:lnSpc>
+              <a:spcBef>
+                <a:spcPts val="0"/>
+              </a:spcBef>
+              <a:spcAft>
+                <a:spcPts val="0"/>
+              </a:spcAft>
+              <a:buClrTx/>
+              <a:buSzTx/>
+              <a:buFontTx/>
+              <a:buNone/>
+              <a:tabLst/>
+              <a:defRPr/>
+            </a:pPr>
+            <a:r>
+              <a:rPr lang="pl-PL" b="1" dirty="0" smtClean="0"/>
+              <a:t>4. </a:t>
+            </a:r>
+            <a:r>
+              <a:rPr lang="pl-PL" b="1" dirty="0" err="1" smtClean="0"/>
+              <a:t>Lots</a:t>
+            </a:r>
+            <a:r>
+              <a:rPr lang="pl-PL" b="1" dirty="0" smtClean="0"/>
+              <a:t> of </a:t>
+            </a:r>
+            <a:r>
+              <a:rPr lang="pl-PL" b="1" dirty="0" err="1" smtClean="0"/>
+              <a:t>Packages</a:t>
+            </a:r>
+            <a:endParaRPr lang="pl-PL" b="1" dirty="0" smtClean="0"/>
+          </a:p>
+          <a:p>
+            <a:pPr marL="0" marR="0" indent="0" algn="l" defTabSz="914400" rtl="0" eaLnBrk="1" fontAlgn="auto" latinLnBrk="0" hangingPunct="1">
+              <a:lnSpc>
+                <a:spcPct val="100000"/>
+              </a:lnSpc>
+              <a:spcBef>
+                <a:spcPts val="0"/>
+              </a:spcBef>
+              <a:spcAft>
+                <a:spcPts val="0"/>
+              </a:spcAft>
+              <a:buClrTx/>
+              <a:buSzTx/>
+              <a:buFontTx/>
+              <a:buNone/>
+              <a:tabLst/>
+              <a:defRPr/>
+            </a:pPr>
+            <a:r>
+              <a:rPr lang="pl-PL" b="1" dirty="0" smtClean="0"/>
+              <a:t>5. D.R.Y. (</a:t>
+            </a:r>
+            <a:r>
+              <a:rPr lang="pl-PL" dirty="0" err="1" smtClean="0"/>
+              <a:t>Don’t</a:t>
+            </a:r>
+            <a:r>
+              <a:rPr lang="pl-PL" dirty="0" smtClean="0"/>
+              <a:t> </a:t>
+            </a:r>
+            <a:r>
+              <a:rPr lang="pl-PL" dirty="0" err="1" smtClean="0"/>
+              <a:t>Repeat</a:t>
+            </a:r>
+            <a:r>
+              <a:rPr lang="pl-PL" dirty="0" smtClean="0"/>
+              <a:t> </a:t>
+            </a:r>
+            <a:r>
+              <a:rPr lang="pl-PL" dirty="0" err="1" smtClean="0"/>
+              <a:t>Yourself</a:t>
+            </a:r>
+            <a:r>
+              <a:rPr lang="pl-PL" dirty="0" smtClean="0"/>
+              <a:t>.)</a:t>
+            </a:r>
+            <a:endParaRPr lang="pl-PL" b="1" dirty="0" smtClean="0"/>
+          </a:p>
+          <a:p>
+            <a:pPr marL="0" marR="0" indent="0" algn="l" defTabSz="914400" rtl="0" eaLnBrk="1" fontAlgn="auto" latinLnBrk="0" hangingPunct="1">
+              <a:lnSpc>
+                <a:spcPct val="100000"/>
+              </a:lnSpc>
+              <a:spcBef>
+                <a:spcPts val="0"/>
+              </a:spcBef>
+              <a:spcAft>
+                <a:spcPts val="0"/>
+              </a:spcAft>
+              <a:buClrTx/>
+              <a:buSzTx/>
+              <a:buFontTx/>
+              <a:buNone/>
+              <a:tabLst/>
+              <a:defRPr/>
+            </a:pPr>
+            <a:r>
+              <a:rPr lang="pl-PL" b="1" dirty="0" smtClean="0"/>
+              <a:t>6. </a:t>
+            </a:r>
+            <a:r>
+              <a:rPr lang="pl-PL" b="1" dirty="0" err="1" smtClean="0"/>
+              <a:t>Portability</a:t>
+            </a:r>
+            <a:endParaRPr lang="pl-PL" b="1" dirty="0" smtClean="0"/>
+          </a:p>
+          <a:p>
+            <a:pPr marL="0" marR="0" indent="0" algn="l" defTabSz="914400" rtl="0" eaLnBrk="1" fontAlgn="auto" latinLnBrk="0" hangingPunct="1">
+              <a:lnSpc>
+                <a:spcPct val="100000"/>
+              </a:lnSpc>
+              <a:spcBef>
+                <a:spcPts val="0"/>
+              </a:spcBef>
+              <a:spcAft>
+                <a:spcPts val="0"/>
+              </a:spcAft>
+              <a:buClrTx/>
+              <a:buSzTx/>
+              <a:buFontTx/>
+              <a:buNone/>
+              <a:tabLst/>
+              <a:defRPr/>
+            </a:pPr>
+            <a:r>
+              <a:rPr lang="pl-PL" b="1" dirty="0" smtClean="0"/>
+              <a:t>7. Provider </a:t>
+            </a:r>
+            <a:r>
+              <a:rPr lang="pl-PL" b="1" dirty="0" err="1" smtClean="0"/>
+              <a:t>Support</a:t>
+            </a:r>
+            <a:endParaRPr lang="pl-PL" b="1" dirty="0" smtClean="0"/>
+          </a:p>
+          <a:p>
+            <a:pPr marL="0" marR="0" indent="0" algn="l" defTabSz="914400" rtl="0" eaLnBrk="1" fontAlgn="auto" latinLnBrk="0" hangingPunct="1">
+              <a:lnSpc>
+                <a:spcPct val="100000"/>
+              </a:lnSpc>
+              <a:spcBef>
+                <a:spcPts val="0"/>
+              </a:spcBef>
+              <a:spcAft>
+                <a:spcPts val="0"/>
+              </a:spcAft>
+              <a:buClrTx/>
+              <a:buSzTx/>
+              <a:buFontTx/>
+              <a:buNone/>
+              <a:tabLst/>
+              <a:defRPr/>
+            </a:pPr>
+            <a:r>
+              <a:rPr lang="pl-PL" b="1" dirty="0" smtClean="0"/>
+              <a:t>8. Good </a:t>
+            </a:r>
+            <a:r>
+              <a:rPr lang="pl-PL" b="1" dirty="0" err="1" smtClean="0"/>
+              <a:t>Documentation</a:t>
+            </a:r>
+            <a:endParaRPr lang="pl-PL" b="1" dirty="0" smtClean="0"/>
+          </a:p>
+          <a:p>
+            <a:pPr marL="0" marR="0" indent="0" algn="l" defTabSz="914400" rtl="0" eaLnBrk="1" fontAlgn="auto" latinLnBrk="0" hangingPunct="1">
+              <a:lnSpc>
+                <a:spcPct val="100000"/>
+              </a:lnSpc>
+              <a:spcBef>
+                <a:spcPts val="0"/>
+              </a:spcBef>
+              <a:spcAft>
+                <a:spcPts val="0"/>
+              </a:spcAft>
+              <a:buClrTx/>
+              <a:buSzTx/>
+              <a:buFontTx/>
+              <a:buNone/>
+              <a:tabLst/>
+              <a:defRPr/>
+            </a:pPr>
+            <a:r>
+              <a:rPr lang="pl-PL" b="1" dirty="0" smtClean="0"/>
+              <a:t>9. </a:t>
+            </a:r>
+            <a:r>
+              <a:rPr lang="pl-PL" b="1" dirty="0" err="1" smtClean="0"/>
+              <a:t>Built</a:t>
+            </a:r>
+            <a:r>
+              <a:rPr lang="pl-PL" b="1" dirty="0" smtClean="0"/>
+              <a:t>-In Admin Panel</a:t>
+            </a:r>
+          </a:p>
+          <a:p>
+            <a:pPr marL="0" marR="0" indent="0" algn="l" defTabSz="914400" rtl="0" eaLnBrk="1" fontAlgn="auto" latinLnBrk="0" hangingPunct="1">
+              <a:lnSpc>
+                <a:spcPct val="100000"/>
+              </a:lnSpc>
+              <a:spcBef>
+                <a:spcPts val="0"/>
+              </a:spcBef>
+              <a:spcAft>
+                <a:spcPts val="0"/>
+              </a:spcAft>
+              <a:buClrTx/>
+              <a:buSzTx/>
+              <a:buFontTx/>
+              <a:buNone/>
+              <a:tabLst/>
+              <a:defRPr/>
+            </a:pPr>
+            <a:r>
+              <a:rPr lang="pl-PL" b="1" dirty="0" smtClean="0"/>
+              <a:t>10. </a:t>
+            </a:r>
+            <a:r>
+              <a:rPr lang="pl-PL" b="1" dirty="0" err="1" smtClean="0"/>
+              <a:t>Scalability</a:t>
+            </a:r>
+            <a:endParaRPr lang="pl-PL" b="1" dirty="0" smtClean="0"/>
+          </a:p>
+          <a:p>
+            <a:endParaRPr lang="pl-PL" dirty="0"/>
+          </a:p>
+        </p:txBody>
+      </p:sp>
+      <p:sp>
+        <p:nvSpPr>
+          <p:cNvPr id="4" name="Symbol zastępczy numeru slajdu 3"/>
           <p:cNvSpPr>
             <a:spLocks noGrp="1"/>
           </p:cNvSpPr>
@@ -960,7 +1273,91 @@
           <a:p>
             <a:fld id="{0C6D4EAD-B189-4D29-AC9E-025EE00617A2}" type="slidenum">
               <a:rPr lang="en-US" smtClean="0"/>
-              <a:t>7</a:t>
+              <a:t>5</a:t>
+            </a:fld>
+            <a:endParaRPr lang="en-US"/>
+          </a:p>
+        </p:txBody>
+      </p:sp>
+    </p:spTree>
+    <p:extLst>
+      <p:ext uri="{BB962C8B-B14F-4D97-AF65-F5344CB8AC3E}">
+        <p14:creationId xmlns:p14="http://schemas.microsoft.com/office/powerpoint/2010/main" val="3825355057"/>
+      </p:ext>
+    </p:extLst>
+  </p:cSld>
+  <p:clrMapOvr>
+    <a:masterClrMapping/>
+  </p:clrMapOvr>
+</p:notes>
+</file>
+
+<file path=ppt/notesSlides/notesSlide4.xml><?xml version="1.0" encoding="utf-8"?>
+<p:notes xmlns:a="http://schemas.openxmlformats.org/drawingml/2006/main" xmlns:r="http://schemas.openxmlformats.org/officeDocument/2006/relationships" xmlns:p="http://schemas.openxmlformats.org/presentationml/2006/main">
+  <p:cSld>
+    <p:spTree>
+      <p:nvGrpSpPr>
+        <p:cNvPr id="1" name=""/>
+        <p:cNvGrpSpPr/>
+        <p:nvPr/>
+      </p:nvGrpSpPr>
+      <p:grpSpPr>
+        <a:xfrm>
+          <a:off x="0" y="0"/>
+          <a:ext cx="0" cy="0"/>
+          <a:chOff x="0" y="0"/>
+          <a:chExt cx="0" cy="0"/>
+        </a:xfrm>
+      </p:grpSpPr>
+      <p:sp>
+        <p:nvSpPr>
+          <p:cNvPr id="2" name="Slide Image Placeholder 1"/>
+          <p:cNvSpPr>
+            <a:spLocks noGrp="1" noRot="1" noChangeAspect="1"/>
+          </p:cNvSpPr>
+          <p:nvPr>
+            <p:ph type="sldImg"/>
+          </p:nvPr>
+        </p:nvSpPr>
+        <p:spPr/>
+      </p:sp>
+      <p:sp>
+        <p:nvSpPr>
+          <p:cNvPr id="3" name="Notes Placeholder 2"/>
+          <p:cNvSpPr>
+            <a:spLocks noGrp="1"/>
+          </p:cNvSpPr>
+          <p:nvPr>
+            <p:ph type="body" idx="1"/>
+          </p:nvPr>
+        </p:nvSpPr>
+        <p:spPr/>
+        <p:txBody>
+          <a:bodyPr/>
+          <a:lstStyle/>
+          <a:p>
+            <a:endParaRPr lang="en-US" dirty="0"/>
+          </a:p>
+        </p:txBody>
+      </p:sp>
+      <p:sp>
+        <p:nvSpPr>
+          <p:cNvPr id="4" name="Slide Number Placeholder 3"/>
+          <p:cNvSpPr>
+            <a:spLocks noGrp="1"/>
+          </p:cNvSpPr>
+          <p:nvPr>
+            <p:ph type="sldNum" sz="quarter" idx="10"/>
+          </p:nvPr>
+        </p:nvSpPr>
+        <p:spPr/>
+        <p:txBody>
+          <a:bodyPr/>
+          <a:lstStyle/>
+          <a:p>
+            <a:fld id="{0C6D4EAD-B189-4D29-AC9E-025EE00617A2}" type="slidenum">
+              <a:rPr lang="en-US" smtClean="0"/>
+              <a:t>13</a:t>
             </a:fld>
             <a:endParaRPr lang="en-US"/>
           </a:p>
@@ -1308,7 +1705,7 @@
           <a:p>
             <a:fld id="{1887511B-2198-4085-B864-5CBC7CA7C0F0}" type="datetime1">
               <a:rPr lang="pl-PL" smtClean="0"/>
-              <a:t>28.05.2016</a:t>
+              <a:t>07.06.2016</a:t>
             </a:fld>
             <a:endParaRPr lang="pl-PL"/>
           </a:p>
@@ -1389,8 +1786,13 @@
             </a:fld>
             <a:r>
               <a:rPr lang="pl-PL" dirty="0" smtClean="0"/>
-              <a:t> / 60</a:t>
-            </a:r>
+              <a:t> / </a:t>
+            </a:r>
+            <a:r>
+              <a:rPr lang="pl-PL" dirty="0" smtClean="0"/>
+              <a:t>13</a:t>
+            </a:r>
+            <a:endParaRPr lang="pl-PL" dirty="0" smtClean="0"/>
           </a:p>
           <a:p>
             <a:endParaRPr lang="pl-PL" dirty="0"/>
@@ -1542,7 +1944,7 @@
           <a:p>
             <a:fld id="{3CAA76BB-D4E5-4C01-A47A-056861A50642}" type="datetime1">
               <a:rPr lang="pl-PL" smtClean="0"/>
-              <a:t>28.05.2016</a:t>
+              <a:t>07.06.2016</a:t>
             </a:fld>
             <a:endParaRPr lang="pl-PL" dirty="0"/>
           </a:p>
@@ -1627,8 +2029,13 @@
             </a:fld>
             <a:r>
               <a:rPr lang="pl-PL" dirty="0" smtClean="0"/>
-              <a:t> / 60</a:t>
-            </a:r>
+              <a:t> / </a:t>
+            </a:r>
+            <a:r>
+              <a:rPr lang="pl-PL" dirty="0" smtClean="0"/>
+              <a:t>13</a:t>
+            </a:r>
+            <a:endParaRPr lang="pl-PL" dirty="0" smtClean="0"/>
           </a:p>
           <a:p>
             <a:endParaRPr lang="pl-PL" dirty="0"/>
@@ -1752,7 +2159,7 @@
           <a:p>
             <a:fld id="{A88833E0-D1B9-4DBB-9E11-28124699B974}" type="datetime1">
               <a:rPr lang="pl-PL" smtClean="0"/>
-              <a:t>28.05.2016</a:t>
+              <a:t>07.06.2016</a:t>
             </a:fld>
             <a:endParaRPr lang="pl-PL" dirty="0"/>
           </a:p>
@@ -1823,7 +2230,11 @@
             </a:fld>
             <a:r>
               <a:rPr lang="pl-PL" dirty="0" smtClean="0"/>
-              <a:t> / 60</a:t>
+              <a:t> / </a:t>
+            </a:r>
+            <a:r>
+              <a:rPr lang="pl-PL" dirty="0" smtClean="0"/>
+              <a:t>13</a:t>
             </a:r>
             <a:endParaRPr lang="pl-PL" dirty="0"/>
           </a:p>
@@ -2009,7 +2420,7 @@
           <a:p>
             <a:fld id="{F5648FE1-9564-4DF8-963C-39D35151AE95}" type="datetime1">
               <a:rPr lang="pl-PL" smtClean="0"/>
-              <a:t>28.05.2016</a:t>
+              <a:t>07.06.2016</a:t>
             </a:fld>
             <a:endParaRPr lang="pl-PL" dirty="0"/>
           </a:p>
@@ -2080,7 +2491,11 @@
             </a:fld>
             <a:r>
               <a:rPr lang="pl-PL" dirty="0" smtClean="0"/>
-              <a:t> / 60</a:t>
+              <a:t> / </a:t>
+            </a:r>
+            <a:r>
+              <a:rPr lang="pl-PL" dirty="0" smtClean="0"/>
+              <a:t>13</a:t>
             </a:r>
             <a:endParaRPr lang="pl-PL" dirty="0"/>
           </a:p>
@@ -2339,7 +2754,7 @@
           <a:p>
             <a:fld id="{F6D0C421-158D-4784-9F7E-D3F2D7297A44}" type="datetime1">
               <a:rPr lang="pl-PL" smtClean="0"/>
-              <a:t>28.05.2016</a:t>
+              <a:t>07.06.2016</a:t>
             </a:fld>
             <a:endParaRPr lang="pl-PL" dirty="0"/>
           </a:p>
@@ -2808,7 +3223,7 @@
           <a:p>
             <a:fld id="{B27367D2-47F8-44CE-8E60-00A09987BE0D}" type="datetime1">
               <a:rPr lang="pl-PL" smtClean="0"/>
-              <a:t>28.05.2016</a:t>
+              <a:t>07.06.2016</a:t>
             </a:fld>
             <a:endParaRPr lang="pl-PL" dirty="0"/>
           </a:p>
@@ -2879,7 +3294,11 @@
             </a:fld>
             <a:r>
               <a:rPr lang="pl-PL" dirty="0" smtClean="0"/>
-              <a:t> / 60</a:t>
+              <a:t> / </a:t>
+            </a:r>
+            <a:r>
+              <a:rPr lang="pl-PL" dirty="0" smtClean="0"/>
+              <a:t>13</a:t>
             </a:r>
             <a:endParaRPr lang="pl-PL" dirty="0"/>
           </a:p>
@@ -2968,7 +3387,7 @@
           <a:p>
             <a:fld id="{16D4AD7E-A82E-4833-A990-802AA22F6513}" type="datetime1">
               <a:rPr lang="pl-PL" smtClean="0"/>
-              <a:t>28.05.2016</a:t>
+              <a:t>07.06.2016</a:t>
             </a:fld>
             <a:endParaRPr lang="pl-PL" dirty="0"/>
           </a:p>
@@ -3039,7 +3458,11 @@
             </a:fld>
             <a:r>
               <a:rPr lang="pl-PL" dirty="0" smtClean="0"/>
-              <a:t> / 60</a:t>
+              <a:t> / </a:t>
+            </a:r>
+            <a:r>
+              <a:rPr lang="pl-PL" dirty="0" smtClean="0"/>
+              <a:t>13</a:t>
             </a:r>
             <a:endParaRPr lang="pl-PL" dirty="0"/>
           </a:p>
@@ -3105,7 +3528,7 @@
           <a:p>
             <a:fld id="{CD7F9F12-392B-4A19-A04D-7BB096F3A669}" type="datetime1">
               <a:rPr lang="pl-PL" smtClean="0"/>
-              <a:t>28.05.2016</a:t>
+              <a:t>07.06.2016</a:t>
             </a:fld>
             <a:endParaRPr lang="pl-PL" dirty="0"/>
           </a:p>
@@ -3190,8 +3613,13 @@
             </a:fld>
             <a:r>
               <a:rPr lang="pl-PL" dirty="0" smtClean="0"/>
-              <a:t> / 60</a:t>
-            </a:r>
+              <a:t> / </a:t>
+            </a:r>
+            <a:r>
+              <a:rPr lang="pl-PL" dirty="0" smtClean="0"/>
+              <a:t>13</a:t>
+            </a:r>
+            <a:endParaRPr lang="pl-PL" dirty="0" smtClean="0"/>
           </a:p>
           <a:p>
             <a:endParaRPr lang="pl-PL" dirty="0"/>
@@ -3440,7 +3868,7 @@
           <a:p>
             <a:fld id="{679CAAD3-6B28-45E9-B725-B282C3A4F595}" type="datetime1">
               <a:rPr lang="pl-PL" smtClean="0"/>
-              <a:t>28.05.2016</a:t>
+              <a:t>07.06.2016</a:t>
             </a:fld>
             <a:endParaRPr lang="pl-PL" dirty="0"/>
           </a:p>
@@ -3525,8 +3953,13 @@
             </a:fld>
             <a:r>
               <a:rPr lang="pl-PL" dirty="0" smtClean="0"/>
-              <a:t> / 60</a:t>
-            </a:r>
+              <a:t> / </a:t>
+            </a:r>
+            <a:r>
+              <a:rPr lang="pl-PL" dirty="0" smtClean="0"/>
+              <a:t>13</a:t>
+            </a:r>
+            <a:endParaRPr lang="pl-PL" dirty="0" smtClean="0"/>
           </a:p>
           <a:p>
             <a:endParaRPr lang="pl-PL" dirty="0"/>
@@ -3756,7 +4189,7 @@
           <a:p>
             <a:fld id="{85BB1D29-3127-4212-A1A6-B8BFEE936328}" type="datetime1">
               <a:rPr lang="pl-PL" smtClean="0"/>
-              <a:t>28.05.2016</a:t>
+              <a:t>07.06.2016</a:t>
             </a:fld>
             <a:endParaRPr lang="pl-PL" dirty="0"/>
           </a:p>
@@ -3841,8 +4274,13 @@
             </a:fld>
             <a:r>
               <a:rPr lang="pl-PL" dirty="0" smtClean="0"/>
-              <a:t> / 60</a:t>
-            </a:r>
+              <a:t> / </a:t>
+            </a:r>
+            <a:r>
+              <a:rPr lang="pl-PL" dirty="0" smtClean="0"/>
+              <a:t>13</a:t>
+            </a:r>
+            <a:endParaRPr lang="pl-PL" dirty="0" smtClean="0"/>
           </a:p>
           <a:p>
             <a:endParaRPr lang="pl-PL" dirty="0"/>
@@ -4539,18 +4977,9 @@
           <a:lstStyle/>
           <a:p>
             <a:r>
-              <a:rPr lang="pl-PL" dirty="0" err="1" smtClean="0"/>
-              <a:t>ReShP</a:t>
-            </a:r>
-            <a:r>
               <a:rPr lang="pl-PL" dirty="0" smtClean="0"/>
-              <a:t> + </a:t>
-            </a:r>
-            <a:r>
-              <a:rPr lang="pl-PL" smtClean="0"/>
-              <a:t>Foodster</a:t>
-            </a:r>
-            <a:endParaRPr lang="pl-PL" dirty="0" smtClean="0"/>
+              <a:t>Aplikacja do zarządzania przepisami kulinarnymi</a:t>
+            </a:r>
           </a:p>
         </p:txBody>
       </p:sp>
@@ -4572,7 +5001,7 @@
             <a:pPr eaLnBrk="1" hangingPunct="1"/>
             <a:r>
               <a:rPr lang="pl-PL" dirty="0" smtClean="0"/>
-              <a:t>Sebastian Łasisz 183668</a:t>
+              <a:t>Sebastian Łasisz</a:t>
             </a:r>
           </a:p>
           <a:p>
@@ -4629,6 +5058,456 @@
           <a:lstStyle/>
           <a:p>
             <a:endParaRPr lang="pl-PL"/>
+          </a:p>
+        </p:txBody>
+      </p:sp>
+    </p:spTree>
+  </p:cSld>
+  <p:clrMapOvr>
+    <a:masterClrMapping/>
+  </p:clrMapOvr>
+  <mc:AlternateContent xmlns:mc="http://schemas.openxmlformats.org/markup-compatibility/2006" xmlns:p14="http://schemas.microsoft.com/office/powerpoint/2010/main">
+    <mc:Choice Requires="p14">
+      <p:transition p14:dur="10"/>
+    </mc:Choice>
+    <mc:Fallback xmlns="">
+      <p:transition/>
+    </mc:Fallback>
+  </mc:AlternateContent>
+  <p:timing>
+    <p:tnLst>
+      <p:par>
+        <p:cTn id="1" dur="indefinite" restart="never" nodeType="tmRoot"/>
+      </p:par>
+    </p:tnLst>
+  </p:timing>
+</p:sld>
+</file>
+
+<file path=ppt/slides/slide10.xml><?xml version="1.0" encoding="utf-8"?>
+<p:sld xmlns:a="http://schemas.openxmlformats.org/drawingml/2006/main" xmlns:r="http://schemas.openxmlformats.org/officeDocument/2006/relationships" xmlns:p="http://schemas.openxmlformats.org/presentationml/2006/main">
+  <p:cSld>
+    <p:spTree>
+      <p:nvGrpSpPr>
+        <p:cNvPr id="1" name=""/>
+        <p:cNvGrpSpPr/>
+        <p:nvPr/>
+      </p:nvGrpSpPr>
+      <p:grpSpPr>
+        <a:xfrm>
+          <a:off x="0" y="0"/>
+          <a:ext cx="0" cy="0"/>
+          <a:chOff x="0" y="0"/>
+          <a:chExt cx="0" cy="0"/>
+        </a:xfrm>
+      </p:grpSpPr>
+      <p:pic>
+        <p:nvPicPr>
+          <p:cNvPr id="5" name="Symbol zastępczy zawartości 4"/>
+          <p:cNvPicPr>
+            <a:picLocks noGrp="1" noChangeAspect="1"/>
+          </p:cNvPicPr>
+          <p:nvPr>
+            <p:ph idx="1"/>
+          </p:nvPr>
+        </p:nvPicPr>
+        <p:blipFill>
+          <a:blip r:embed="rId2">
+            <a:extLst>
+              <a:ext uri="{28A0092B-C50C-407E-A947-70E740481C1C}">
+                <a14:useLocalDpi xmlns:a14="http://schemas.microsoft.com/office/drawing/2010/main" val="0"/>
+              </a:ext>
+            </a:extLst>
+          </a:blip>
+          <a:stretch>
+            <a:fillRect/>
+          </a:stretch>
+        </p:blipFill>
+        <p:spPr>
+          <a:xfrm>
+            <a:off x="611188" y="2879316"/>
+            <a:ext cx="8424862" cy="2409055"/>
+          </a:xfrm>
+        </p:spPr>
+      </p:pic>
+      <p:sp>
+        <p:nvSpPr>
+          <p:cNvPr id="3" name="Symbol zastępczy numeru slajdu 2"/>
+          <p:cNvSpPr>
+            <a:spLocks noGrp="1"/>
+          </p:cNvSpPr>
+          <p:nvPr>
+            <p:ph type="sldNum" sz="quarter" idx="12"/>
+          </p:nvPr>
+        </p:nvSpPr>
+        <p:spPr/>
+        <p:txBody>
+          <a:bodyPr/>
+          <a:lstStyle/>
+          <a:p>
+            <a:fld id="{DF66FC49-DFCE-4475-9E6F-B89E83D297F6}" type="slidenum">
+              <a:rPr lang="pl-PL" smtClean="0"/>
+              <a:pPr/>
+              <a:t>10</a:t>
+            </a:fld>
+            <a:r>
+              <a:rPr lang="pl-PL" dirty="0" smtClean="0"/>
+              <a:t> / </a:t>
+            </a:r>
+            <a:r>
+              <a:rPr lang="pl-PL" dirty="0" smtClean="0"/>
+              <a:t>13</a:t>
+            </a:r>
+            <a:endParaRPr lang="pl-PL" dirty="0"/>
+          </a:p>
+        </p:txBody>
+      </p:sp>
+      <p:sp>
+        <p:nvSpPr>
+          <p:cNvPr id="4" name="Tytuł 3"/>
+          <p:cNvSpPr>
+            <a:spLocks noGrp="1"/>
+          </p:cNvSpPr>
+          <p:nvPr>
+            <p:ph type="title"/>
+          </p:nvPr>
+        </p:nvSpPr>
+        <p:spPr/>
+        <p:txBody>
+          <a:bodyPr/>
+          <a:lstStyle/>
+          <a:p>
+            <a:r>
+              <a:rPr lang="pl-PL" dirty="0" smtClean="0"/>
+              <a:t>Edytuj listę zakupową</a:t>
+            </a:r>
+            <a:endParaRPr lang="pl-PL" dirty="0"/>
+          </a:p>
+        </p:txBody>
+      </p:sp>
+    </p:spTree>
+    <p:extLst>
+      <p:ext uri="{BB962C8B-B14F-4D97-AF65-F5344CB8AC3E}">
+        <p14:creationId xmlns:p14="http://schemas.microsoft.com/office/powerpoint/2010/main" val="1354833527"/>
+      </p:ext>
+    </p:extLst>
+  </p:cSld>
+  <p:clrMapOvr>
+    <a:masterClrMapping/>
+  </p:clrMapOvr>
+  <p:transition>
+    <p:randomBar/>
+  </p:transition>
+  <p:timing>
+    <p:tnLst>
+      <p:par>
+        <p:cTn id="1" dur="indefinite" restart="never" nodeType="tmRoot"/>
+      </p:par>
+    </p:tnLst>
+  </p:timing>
+</p:sld>
+</file>
+
+<file path=ppt/slides/slide11.xml><?xml version="1.0" encoding="utf-8"?>
+<p:sld xmlns:a="http://schemas.openxmlformats.org/drawingml/2006/main" xmlns:r="http://schemas.openxmlformats.org/officeDocument/2006/relationships" xmlns:p="http://schemas.openxmlformats.org/presentationml/2006/main">
+  <p:cSld>
+    <p:spTree>
+      <p:nvGrpSpPr>
+        <p:cNvPr id="1" name=""/>
+        <p:cNvGrpSpPr/>
+        <p:nvPr/>
+      </p:nvGrpSpPr>
+      <p:grpSpPr>
+        <a:xfrm>
+          <a:off x="0" y="0"/>
+          <a:ext cx="0" cy="0"/>
+          <a:chOff x="0" y="0"/>
+          <a:chExt cx="0" cy="0"/>
+        </a:xfrm>
+      </p:grpSpPr>
+      <p:sp>
+        <p:nvSpPr>
+          <p:cNvPr id="2" name="Symbol zastępczy zawartości 1"/>
+          <p:cNvSpPr>
+            <a:spLocks noGrp="1"/>
+          </p:cNvSpPr>
+          <p:nvPr>
+            <p:ph idx="1"/>
+          </p:nvPr>
+        </p:nvSpPr>
+        <p:spPr/>
+        <p:txBody>
+          <a:bodyPr/>
+          <a:lstStyle/>
+          <a:p>
+            <a:endParaRPr lang="pl-PL"/>
+          </a:p>
+        </p:txBody>
+      </p:sp>
+      <p:sp>
+        <p:nvSpPr>
+          <p:cNvPr id="3" name="Symbol zastępczy numeru slajdu 2"/>
+          <p:cNvSpPr>
+            <a:spLocks noGrp="1"/>
+          </p:cNvSpPr>
+          <p:nvPr>
+            <p:ph type="sldNum" sz="quarter" idx="12"/>
+          </p:nvPr>
+        </p:nvSpPr>
+        <p:spPr/>
+        <p:txBody>
+          <a:bodyPr/>
+          <a:lstStyle/>
+          <a:p>
+            <a:fld id="{DF66FC49-DFCE-4475-9E6F-B89E83D297F6}" type="slidenum">
+              <a:rPr lang="pl-PL" smtClean="0"/>
+              <a:pPr/>
+              <a:t>11</a:t>
+            </a:fld>
+            <a:r>
+              <a:rPr lang="pl-PL" dirty="0" smtClean="0"/>
+              <a:t> / </a:t>
+            </a:r>
+            <a:r>
+              <a:rPr lang="pl-PL" dirty="0" smtClean="0"/>
+              <a:t>13</a:t>
+            </a:r>
+            <a:endParaRPr lang="pl-PL" dirty="0"/>
+          </a:p>
+        </p:txBody>
+      </p:sp>
+      <p:sp>
+        <p:nvSpPr>
+          <p:cNvPr id="4" name="Tytuł 3"/>
+          <p:cNvSpPr>
+            <a:spLocks noGrp="1"/>
+          </p:cNvSpPr>
+          <p:nvPr>
+            <p:ph type="title"/>
+          </p:nvPr>
+        </p:nvSpPr>
+        <p:spPr/>
+        <p:txBody>
+          <a:bodyPr/>
+          <a:lstStyle/>
+          <a:p>
+            <a:r>
+              <a:rPr lang="pl-PL" dirty="0" smtClean="0"/>
+              <a:t>DEMO</a:t>
+            </a:r>
+            <a:endParaRPr lang="pl-PL" dirty="0"/>
+          </a:p>
+        </p:txBody>
+      </p:sp>
+    </p:spTree>
+    <p:extLst>
+      <p:ext uri="{BB962C8B-B14F-4D97-AF65-F5344CB8AC3E}">
+        <p14:creationId xmlns:p14="http://schemas.microsoft.com/office/powerpoint/2010/main" val="2129914500"/>
+      </p:ext>
+    </p:extLst>
+  </p:cSld>
+  <p:clrMapOvr>
+    <a:masterClrMapping/>
+  </p:clrMapOvr>
+  <p:transition>
+    <p:randomBar/>
+  </p:transition>
+</p:sld>
+</file>
+
+<file path=ppt/slides/slide12.xml><?xml version="1.0" encoding="utf-8"?>
+<p:sld xmlns:a="http://schemas.openxmlformats.org/drawingml/2006/main" xmlns:r="http://schemas.openxmlformats.org/officeDocument/2006/relationships" xmlns:p="http://schemas.openxmlformats.org/presentationml/2006/main">
+  <p:cSld>
+    <p:spTree>
+      <p:nvGrpSpPr>
+        <p:cNvPr id="1" name=""/>
+        <p:cNvGrpSpPr/>
+        <p:nvPr/>
+      </p:nvGrpSpPr>
+      <p:grpSpPr>
+        <a:xfrm>
+          <a:off x="0" y="0"/>
+          <a:ext cx="0" cy="0"/>
+          <a:chOff x="0" y="0"/>
+          <a:chExt cx="0" cy="0"/>
+        </a:xfrm>
+      </p:grpSpPr>
+      <p:sp>
+        <p:nvSpPr>
+          <p:cNvPr id="2" name="Symbol zastępczy zawartości 1"/>
+          <p:cNvSpPr>
+            <a:spLocks noGrp="1"/>
+          </p:cNvSpPr>
+          <p:nvPr>
+            <p:ph idx="1"/>
+          </p:nvPr>
+        </p:nvSpPr>
+        <p:spPr/>
+        <p:txBody>
+          <a:bodyPr/>
+          <a:lstStyle/>
+          <a:p>
+            <a:r>
+              <a:rPr lang="pl-PL" dirty="0" smtClean="0"/>
+              <a:t>Planowanie publikacji kodu na licencji open-</a:t>
+            </a:r>
+            <a:r>
+              <a:rPr lang="pl-PL" dirty="0" err="1" smtClean="0"/>
+              <a:t>source</a:t>
+            </a:r>
+            <a:endParaRPr lang="pl-PL" dirty="0" smtClean="0"/>
+          </a:p>
+          <a:p>
+            <a:r>
+              <a:rPr lang="pl-PL" dirty="0" smtClean="0"/>
+              <a:t>Wprowadzenie możliwości generowania kodów QR</a:t>
+            </a:r>
+          </a:p>
+          <a:p>
+            <a:r>
+              <a:rPr lang="pl-PL" dirty="0" smtClean="0"/>
+              <a:t>Wprowadzenie możliwości konwersji przepisów na inne formaty</a:t>
+            </a:r>
+            <a:endParaRPr lang="pl-PL" dirty="0"/>
+          </a:p>
+        </p:txBody>
+      </p:sp>
+      <p:sp>
+        <p:nvSpPr>
+          <p:cNvPr id="3" name="Symbol zastępczy numeru slajdu 2"/>
+          <p:cNvSpPr>
+            <a:spLocks noGrp="1"/>
+          </p:cNvSpPr>
+          <p:nvPr>
+            <p:ph type="sldNum" sz="quarter" idx="12"/>
+          </p:nvPr>
+        </p:nvSpPr>
+        <p:spPr/>
+        <p:txBody>
+          <a:bodyPr/>
+          <a:lstStyle/>
+          <a:p>
+            <a:fld id="{DF66FC49-DFCE-4475-9E6F-B89E83D297F6}" type="slidenum">
+              <a:rPr lang="pl-PL" smtClean="0"/>
+              <a:pPr/>
+              <a:t>12</a:t>
+            </a:fld>
+            <a:r>
+              <a:rPr lang="pl-PL" dirty="0" smtClean="0"/>
+              <a:t> / </a:t>
+            </a:r>
+            <a:r>
+              <a:rPr lang="pl-PL" dirty="0" smtClean="0"/>
+              <a:t>13</a:t>
+            </a:r>
+            <a:endParaRPr lang="pl-PL" dirty="0"/>
+          </a:p>
+        </p:txBody>
+      </p:sp>
+      <p:sp>
+        <p:nvSpPr>
+          <p:cNvPr id="4" name="Tytuł 3"/>
+          <p:cNvSpPr>
+            <a:spLocks noGrp="1"/>
+          </p:cNvSpPr>
+          <p:nvPr>
+            <p:ph type="title"/>
+          </p:nvPr>
+        </p:nvSpPr>
+        <p:spPr/>
+        <p:txBody>
+          <a:bodyPr/>
+          <a:lstStyle/>
+          <a:p>
+            <a:r>
+              <a:rPr lang="pl-PL" dirty="0" smtClean="0"/>
+              <a:t>Dalszy rozwój</a:t>
+            </a:r>
+            <a:endParaRPr lang="pl-PL" dirty="0"/>
+          </a:p>
+        </p:txBody>
+      </p:sp>
+    </p:spTree>
+    <p:extLst>
+      <p:ext uri="{BB962C8B-B14F-4D97-AF65-F5344CB8AC3E}">
+        <p14:creationId xmlns:p14="http://schemas.microsoft.com/office/powerpoint/2010/main" val="3060459205"/>
+      </p:ext>
+    </p:extLst>
+  </p:cSld>
+  <p:clrMapOvr>
+    <a:masterClrMapping/>
+  </p:clrMapOvr>
+  <p:transition>
+    <p:randomBar/>
+  </p:transition>
+</p:sld>
+</file>
+
+<file path=ppt/slides/slide13.xml><?xml version="1.0" encoding="utf-8"?>
+<p:sld xmlns:a="http://schemas.openxmlformats.org/drawingml/2006/main" xmlns:r="http://schemas.openxmlformats.org/officeDocument/2006/relationships" xmlns:p="http://schemas.openxmlformats.org/presentationml/2006/main">
+  <p:cSld>
+    <p:spTree>
+      <p:nvGrpSpPr>
+        <p:cNvPr id="1" name=""/>
+        <p:cNvGrpSpPr/>
+        <p:nvPr/>
+      </p:nvGrpSpPr>
+      <p:grpSpPr>
+        <a:xfrm>
+          <a:off x="0" y="0"/>
+          <a:ext cx="0" cy="0"/>
+          <a:chOff x="0" y="0"/>
+          <a:chExt cx="0" cy="0"/>
+        </a:xfrm>
+      </p:grpSpPr>
+      <p:sp>
+        <p:nvSpPr>
+          <p:cNvPr id="129026" name="Rectangle 2"/>
+          <p:cNvSpPr>
+            <a:spLocks noGrp="1" noChangeArrowheads="1"/>
+          </p:cNvSpPr>
+          <p:nvPr>
+            <p:ph type="ctrTitle"/>
+          </p:nvPr>
+        </p:nvSpPr>
+        <p:spPr>
+          <a:xfrm>
+            <a:off x="1873250" y="1785926"/>
+            <a:ext cx="7089775" cy="4286280"/>
+          </a:xfrm>
+        </p:spPr>
+        <p:txBody>
+          <a:bodyPr/>
+          <a:lstStyle/>
+          <a:p>
+            <a:r>
+              <a:rPr lang="pl-PL" sz="23600" dirty="0" smtClean="0"/>
+              <a:t>?</a:t>
+            </a:r>
+            <a:endParaRPr lang="pl-PL" sz="23600" dirty="0"/>
+          </a:p>
+        </p:txBody>
+      </p:sp>
+      <p:sp>
+        <p:nvSpPr>
+          <p:cNvPr id="129027" name="Rectangle 3"/>
+          <p:cNvSpPr>
+            <a:spLocks noGrp="1" noChangeArrowheads="1"/>
+          </p:cNvSpPr>
+          <p:nvPr>
+            <p:ph type="subTitle" idx="1"/>
+          </p:nvPr>
+        </p:nvSpPr>
+        <p:spPr/>
+        <p:txBody>
+          <a:bodyPr/>
+          <a:lstStyle/>
+          <a:p>
+            <a:r>
+              <a:rPr lang="pl-PL" dirty="0" smtClean="0"/>
+              <a:t>Dziękujemy za uwagę. Czy są jakieś pytania?</a:t>
+            </a:r>
+            <a:endParaRPr lang="pl-PL" dirty="0"/>
           </a:p>
         </p:txBody>
       </p:sp>
@@ -4695,7 +5574,7 @@
             <a:pPr eaLnBrk="1" hangingPunct="1"/>
             <a:r>
               <a:rPr lang="pl-PL" dirty="0" smtClean="0"/>
-              <a:t>Plan prezentacji</a:t>
+              <a:t>Agenda</a:t>
             </a:r>
           </a:p>
         </p:txBody>
@@ -4715,10 +5594,34 @@
           <a:bodyPr/>
           <a:lstStyle/>
           <a:p>
-            <a:pPr marL="0" indent="0" eaLnBrk="1" hangingPunct="1">
-              <a:buNone/>
-            </a:pPr>
-            <a:endParaRPr lang="pl-PL" sz="3000" dirty="0" smtClean="0"/>
+            <a:r>
+              <a:rPr lang="pl-PL" sz="3600" dirty="0"/>
+              <a:t>Cele </a:t>
+            </a:r>
+            <a:r>
+              <a:rPr lang="pl-PL" sz="3600" dirty="0" smtClean="0"/>
+              <a:t>projektu</a:t>
+            </a:r>
+          </a:p>
+          <a:p>
+            <a:r>
+              <a:rPr lang="pl-PL" sz="3600" dirty="0" smtClean="0"/>
+              <a:t>Architektura systemu i elementy składowe</a:t>
+            </a:r>
+            <a:endParaRPr lang="pl-PL" sz="3600" dirty="0"/>
+          </a:p>
+          <a:p>
+            <a:r>
+              <a:rPr lang="pl-PL" sz="3600" dirty="0" smtClean="0"/>
+              <a:t>Krótkie demo</a:t>
+            </a:r>
+          </a:p>
+          <a:p>
+            <a:r>
+              <a:rPr lang="pl-PL" sz="3600" dirty="0" smtClean="0"/>
+              <a:t>Dalszy rozwój</a:t>
+            </a:r>
+            <a:endParaRPr lang="pl-PL" sz="3600" dirty="0"/>
           </a:p>
         </p:txBody>
       </p:sp>
@@ -4744,7 +5647,11 @@
             </a:fld>
             <a:r>
               <a:rPr lang="pl-PL" dirty="0" smtClean="0"/>
-              <a:t> / 60</a:t>
+              <a:t> / </a:t>
+            </a:r>
+            <a:r>
+              <a:rPr lang="pl-PL" dirty="0" smtClean="0"/>
+              <a:t>13</a:t>
             </a:r>
             <a:endParaRPr lang="pl-PL" dirty="0"/>
           </a:p>
@@ -4790,35 +5697,6 @@
           <a:chExt cx="0" cy="0"/>
         </a:xfrm>
       </p:grpSpPr>
-      <p:pic>
-        <p:nvPicPr>
-          <p:cNvPr id="5" name="Symbol zastępczy zawartości 4"/>
-          <p:cNvPicPr>
-            <a:picLocks noGrp="1" noChangeAspect="1"/>
-          </p:cNvPicPr>
-          <p:nvPr>
-            <p:ph idx="1"/>
-          </p:nvPr>
-        </p:nvPicPr>
-        <p:blipFill>
-          <a:blip r:embed="rId2">
-            <a:extLst>
-              <a:ext uri="{28A0092B-C50C-407E-A947-70E740481C1C}">
-                <a14:useLocalDpi xmlns:a14="http://schemas.microsoft.com/office/drawing/2010/main" val="0"/>
-              </a:ext>
-            </a:extLst>
-          </a:blip>
-          <a:stretch>
-            <a:fillRect/>
-          </a:stretch>
-        </p:blipFill>
-        <p:spPr>
-          <a:xfrm>
-            <a:off x="611188" y="1941930"/>
-            <a:ext cx="8424862" cy="4283828"/>
-          </a:xfrm>
-        </p:spPr>
-      </p:pic>
       <p:sp>
         <p:nvSpPr>
           <p:cNvPr id="3" name="Symbol zastępczy numeru slajdu 2"/>
@@ -4840,8 +5718,12 @@
               <a:t>3</a:t>
             </a:fld>
             <a:r>
-              <a:rPr lang="pl-PL" smtClean="0"/>
-              <a:t> / 60</a:t>
+              <a:rPr lang="pl-PL" dirty="0" smtClean="0"/>
+              <a:t> / </a:t>
+            </a:r>
+            <a:r>
+              <a:rPr lang="pl-PL" dirty="0" smtClean="0"/>
+              <a:t>13</a:t>
             </a:r>
             <a:endParaRPr lang="pl-PL" dirty="0"/>
           </a:p>
@@ -4864,11 +5746,36 @@
           <a:p>
             <a:r>
               <a:rPr lang="pl-PL" dirty="0" smtClean="0"/>
-              <a:t>Class diagram – </a:t>
-            </a:r>
-            <a:r>
-              <a:rPr lang="pl-PL" dirty="0" err="1" smtClean="0"/>
-              <a:t>minified</a:t>
+              <a:t>Cele projektu</a:t>
+            </a:r>
+            <a:endParaRPr lang="pl-PL" dirty="0"/>
+          </a:p>
+        </p:txBody>
+      </p:sp>
+      <p:sp>
+        <p:nvSpPr>
+          <p:cNvPr id="7" name="Symbol zastępczy zawartości 6"/>
+          <p:cNvSpPr>
+            <a:spLocks noGrp="1"/>
+          </p:cNvSpPr>
+          <p:nvPr>
+            <p:ph idx="1"/>
+          </p:nvPr>
+        </p:nvSpPr>
+        <p:spPr/>
+        <p:txBody>
+          <a:bodyPr/>
+          <a:lstStyle/>
+          <a:p>
+            <a:r>
+              <a:rPr lang="pl-PL" dirty="0" smtClean="0"/>
+              <a:t>Utworzenie otwartej platformy do przechowywania przepisów, posiadanych produktów oraz list zakupowych</a:t>
+            </a:r>
+          </a:p>
+          <a:p>
+            <a:r>
+              <a:rPr lang="pl-PL" dirty="0" smtClean="0"/>
+              <a:t>Zintegrowanie platformy z aplikacjami mobilnymi w celu wykorzystania potencjału urządzeń (skanowanie kodów kreskowych)</a:t>
             </a:r>
             <a:endParaRPr lang="pl-PL" dirty="0"/>
           </a:p>
@@ -4877,7 +5784,7 @@
     </p:spTree>
     <p:extLst>
       <p:ext uri="{BB962C8B-B14F-4D97-AF65-F5344CB8AC3E}">
-        <p14:creationId xmlns:p14="http://schemas.microsoft.com/office/powerpoint/2010/main" val="4099925436"/>
+        <p14:creationId xmlns:p14="http://schemas.microsoft.com/office/powerpoint/2010/main" val="937126654"/>
       </p:ext>
     </p:extLst>
   </p:cSld>
@@ -4914,9 +5821,64 @@
           <a:chExt cx="0" cy="0"/>
         </a:xfrm>
       </p:grpSpPr>
+      <p:sp>
+        <p:nvSpPr>
+          <p:cNvPr id="3" name="Symbol zastępczy numeru slajdu 2"/>
+          <p:cNvSpPr>
+            <a:spLocks noGrp="1"/>
+          </p:cNvSpPr>
+          <p:nvPr>
+            <p:ph type="sldNum" sz="quarter" idx="12"/>
+          </p:nvPr>
+        </p:nvSpPr>
+        <p:spPr/>
+        <p:txBody>
+          <a:bodyPr/>
+          <a:lstStyle/>
+          <a:p>
+            <a:fld id="{DF66FC49-DFCE-4475-9E6F-B89E83D297F6}" type="slidenum">
+              <a:rPr lang="pl-PL" smtClean="0"/>
+              <a:pPr/>
+              <a:t>4</a:t>
+            </a:fld>
+            <a:r>
+              <a:rPr lang="pl-PL" dirty="0" smtClean="0"/>
+              <a:t> / </a:t>
+            </a:r>
+            <a:r>
+              <a:rPr lang="pl-PL" dirty="0" smtClean="0"/>
+              <a:t>13</a:t>
+            </a:r>
+            <a:endParaRPr lang="pl-PL" dirty="0"/>
+          </a:p>
+        </p:txBody>
+      </p:sp>
+      <p:sp>
+        <p:nvSpPr>
+          <p:cNvPr id="4" name="Tytuł 3"/>
+          <p:cNvSpPr>
+            <a:spLocks noGrp="1"/>
+          </p:cNvSpPr>
+          <p:nvPr>
+            <p:ph type="title"/>
+          </p:nvPr>
+        </p:nvSpPr>
+        <p:spPr/>
+        <p:txBody>
+          <a:bodyPr/>
+          <a:lstStyle/>
+          <a:p>
+            <a:r>
+              <a:rPr lang="pl-PL" dirty="0" smtClean="0"/>
+              <a:t>Architektura systemu</a:t>
+            </a:r>
+            <a:endParaRPr lang="pl-PL" dirty="0"/>
+          </a:p>
+        </p:txBody>
+      </p:sp>
       <p:pic>
         <p:nvPicPr>
-          <p:cNvPr id="5" name="Symbol zastępczy zawartości 4"/>
+          <p:cNvPr id="7" name="Symbol zastępczy zawartości 6" descr="Wycinek ekranu"/>
           <p:cNvPicPr>
             <a:picLocks noGrp="1" noChangeAspect="1"/>
           </p:cNvPicPr>
@@ -4925,7 +5887,7 @@
           </p:nvPr>
         </p:nvPicPr>
         <p:blipFill>
-          <a:blip r:embed="rId2" cstate="print">
+          <a:blip r:embed="rId2">
             <a:extLst>
               <a:ext uri="{28A0092B-C50C-407E-A947-70E740481C1C}">
                 <a14:useLocalDpi xmlns:a14="http://schemas.microsoft.com/office/drawing/2010/main" val="0"/>
@@ -4938,70 +5900,15 @@
         </p:blipFill>
         <p:spPr>
           <a:xfrm>
-            <a:off x="2411760" y="1916832"/>
-            <a:ext cx="4608512" cy="4901361"/>
+            <a:off x="611188" y="2079542"/>
+            <a:ext cx="8424862" cy="4008603"/>
           </a:xfrm>
         </p:spPr>
       </p:pic>
-      <p:sp>
-        <p:nvSpPr>
-          <p:cNvPr id="3" name="Symbol zastępczy numeru slajdu 2"/>
-          <p:cNvSpPr>
-            <a:spLocks noGrp="1"/>
-          </p:cNvSpPr>
-          <p:nvPr>
-            <p:ph type="sldNum" sz="quarter" idx="12"/>
-          </p:nvPr>
-        </p:nvSpPr>
-        <p:spPr/>
-        <p:txBody>
-          <a:bodyPr/>
-          <a:lstStyle/>
-          <a:p>
-            <a:fld id="{DF66FC49-DFCE-4475-9E6F-B89E83D297F6}" type="slidenum">
-              <a:rPr lang="pl-PL" smtClean="0"/>
-              <a:pPr/>
-              <a:t>4</a:t>
-            </a:fld>
-            <a:r>
-              <a:rPr lang="pl-PL" smtClean="0"/>
-              <a:t> / 60</a:t>
-            </a:r>
-            <a:endParaRPr lang="pl-PL" dirty="0"/>
-          </a:p>
-        </p:txBody>
-      </p:sp>
-      <p:sp>
-        <p:nvSpPr>
-          <p:cNvPr id="4" name="Tytuł 3"/>
-          <p:cNvSpPr>
-            <a:spLocks noGrp="1"/>
-          </p:cNvSpPr>
-          <p:nvPr>
-            <p:ph type="title"/>
-          </p:nvPr>
-        </p:nvSpPr>
-        <p:spPr/>
-        <p:txBody>
-          <a:bodyPr/>
-          <a:lstStyle/>
-          <a:p>
-            <a:r>
-              <a:rPr lang="pl-PL" dirty="0" smtClean="0"/>
-              <a:t>Class diagram - </a:t>
-            </a:r>
-            <a:r>
-              <a:rPr lang="pl-PL" dirty="0" err="1" smtClean="0"/>
-              <a:t>full</a:t>
-            </a:r>
-            <a:endParaRPr lang="pl-PL" dirty="0"/>
-          </a:p>
-        </p:txBody>
-      </p:sp>
     </p:spTree>
     <p:extLst>
       <p:ext uri="{BB962C8B-B14F-4D97-AF65-F5344CB8AC3E}">
-        <p14:creationId xmlns:p14="http://schemas.microsoft.com/office/powerpoint/2010/main" val="3028745581"/>
+        <p14:creationId xmlns:p14="http://schemas.microsoft.com/office/powerpoint/2010/main" val="745428883"/>
       </p:ext>
     </p:extLst>
   </p:cSld>
@@ -5049,7 +5956,7 @@
           </p:nvPr>
         </p:nvPicPr>
         <p:blipFill>
-          <a:blip r:embed="rId2" cstate="print">
+          <a:blip r:embed="rId3">
             <a:extLst>
               <a:ext uri="{28A0092B-C50C-407E-A947-70E740481C1C}">
                 <a14:useLocalDpi xmlns:a14="http://schemas.microsoft.com/office/drawing/2010/main" val="0"/>
@@ -5062,8 +5969,8 @@
         </p:blipFill>
         <p:spPr>
           <a:xfrm>
-            <a:off x="611188" y="1788121"/>
-            <a:ext cx="8137276" cy="5038001"/>
+            <a:off x="2883184" y="1881188"/>
+            <a:ext cx="3880870" cy="4405312"/>
           </a:xfrm>
         </p:spPr>
       </p:pic>
@@ -5088,8 +5995,12 @@
               <a:t>5</a:t>
             </a:fld>
             <a:r>
-              <a:rPr lang="pl-PL" smtClean="0"/>
-              <a:t> / 60</a:t>
+              <a:rPr lang="pl-PL" dirty="0" smtClean="0"/>
+              <a:t> / </a:t>
+            </a:r>
+            <a:r>
+              <a:rPr lang="pl-PL" dirty="0" smtClean="0"/>
+              <a:t>13</a:t>
             </a:r>
             <a:endParaRPr lang="pl-PL" dirty="0"/>
           </a:p>
@@ -5112,7 +6023,15 @@
           <a:p>
             <a:r>
               <a:rPr lang="pl-PL" dirty="0" smtClean="0"/>
-              <a:t>ERD Diagram</a:t>
+              <a:t>Dlaczego </a:t>
+            </a:r>
+            <a:r>
+              <a:rPr lang="pl-PL" dirty="0" err="1" smtClean="0"/>
+              <a:t>Django</a:t>
+            </a:r>
+            <a:r>
+              <a:rPr lang="pl-PL" dirty="0" smtClean="0"/>
+              <a:t>?</a:t>
             </a:r>
             <a:endParaRPr lang="pl-PL" dirty="0"/>
           </a:p>
@@ -5121,7 +6040,7 @@
     </p:spTree>
     <p:extLst>
       <p:ext uri="{BB962C8B-B14F-4D97-AF65-F5344CB8AC3E}">
-        <p14:creationId xmlns:p14="http://schemas.microsoft.com/office/powerpoint/2010/main" val="90814864"/>
+        <p14:creationId xmlns:p14="http://schemas.microsoft.com/office/powerpoint/2010/main" val="2752432852"/>
       </p:ext>
     </p:extLst>
   </p:cSld>
@@ -5160,100 +6079,6 @@
       </p:grpSpPr>
       <p:sp>
         <p:nvSpPr>
-          <p:cNvPr id="2" name="Symbol zastępczy zawartości 1"/>
-          <p:cNvSpPr>
-            <a:spLocks noGrp="1"/>
-          </p:cNvSpPr>
-          <p:nvPr>
-            <p:ph idx="1"/>
-          </p:nvPr>
-        </p:nvSpPr>
-        <p:spPr/>
-        <p:txBody>
-          <a:bodyPr/>
-          <a:lstStyle/>
-          <a:p>
-            <a:r>
-              <a:rPr lang="pl-PL" sz="2800" dirty="0" smtClean="0"/>
-              <a:t>Google </a:t>
-            </a:r>
-            <a:r>
-              <a:rPr lang="pl-PL" sz="2800" dirty="0" err="1" smtClean="0"/>
-              <a:t>Calendar</a:t>
-            </a:r>
-            <a:r>
-              <a:rPr lang="pl-PL" sz="2800" dirty="0" smtClean="0"/>
-              <a:t> API</a:t>
-            </a:r>
-          </a:p>
-          <a:p>
-            <a:pPr marL="0" indent="0">
-              <a:buNone/>
-            </a:pPr>
-            <a:r>
-              <a:rPr lang="pl-PL" sz="2800" dirty="0" smtClean="0"/>
-              <a:t>https</a:t>
-            </a:r>
-            <a:r>
-              <a:rPr lang="pl-PL" sz="2800" dirty="0"/>
-              <a:t>://developers.google.com/google-apps/calendar</a:t>
-            </a:r>
-            <a:r>
-              <a:rPr lang="pl-PL" sz="2800" dirty="0" smtClean="0"/>
-              <a:t>/</a:t>
-            </a:r>
-          </a:p>
-          <a:p>
-            <a:r>
-              <a:rPr lang="pl-PL" sz="2800" dirty="0" err="1" smtClean="0"/>
-              <a:t>Trello</a:t>
-            </a:r>
-            <a:r>
-              <a:rPr lang="pl-PL" sz="2800" dirty="0" smtClean="0"/>
-              <a:t> API </a:t>
-            </a:r>
-          </a:p>
-          <a:p>
-            <a:pPr marL="0" indent="0">
-              <a:buNone/>
-            </a:pPr>
-            <a:r>
-              <a:rPr lang="pl-PL" sz="2800" dirty="0" smtClean="0"/>
-              <a:t>https://developers.trello.com/</a:t>
-            </a:r>
-          </a:p>
-          <a:p>
-            <a:r>
-              <a:rPr lang="pl-PL" sz="2800" dirty="0" err="1" smtClean="0"/>
-              <a:t>Edamam</a:t>
-            </a:r>
-            <a:r>
-              <a:rPr lang="pl-PL" sz="2800" dirty="0" smtClean="0"/>
-              <a:t> API </a:t>
-            </a:r>
-          </a:p>
-          <a:p>
-            <a:pPr marL="0" indent="0">
-              <a:buNone/>
-            </a:pPr>
-            <a:r>
-              <a:rPr lang="pl-PL" sz="2800" dirty="0" smtClean="0"/>
-              <a:t>https</a:t>
-            </a:r>
-            <a:r>
-              <a:rPr lang="pl-PL" sz="2800" dirty="0"/>
-              <a:t>://developer.edamam.com</a:t>
-            </a:r>
-            <a:r>
-              <a:rPr lang="pl-PL" sz="2800" dirty="0" smtClean="0"/>
-              <a:t>/</a:t>
-            </a:r>
-            <a:endParaRPr lang="pl-PL" sz="2800" dirty="0"/>
-          </a:p>
-        </p:txBody>
-      </p:sp>
-      <p:sp>
-        <p:nvSpPr>
           <p:cNvPr id="3" name="Symbol zastępczy numeru slajdu 2"/>
           <p:cNvSpPr>
             <a:spLocks noGrp="1"/>
@@ -5273,8 +6098,12 @@
               <a:t>6</a:t>
             </a:fld>
             <a:r>
-              <a:rPr lang="pl-PL" smtClean="0"/>
-              <a:t> / 60</a:t>
+              <a:rPr lang="pl-PL" dirty="0" smtClean="0"/>
+              <a:t> / </a:t>
+            </a:r>
+            <a:r>
+              <a:rPr lang="pl-PL" dirty="0" smtClean="0"/>
+              <a:t>13</a:t>
             </a:r>
             <a:endParaRPr lang="pl-PL" dirty="0"/>
           </a:p>
@@ -5297,16 +6126,45 @@
           <a:p>
             <a:r>
               <a:rPr lang="pl-PL" dirty="0" smtClean="0"/>
-              <a:t>Wykorzystane API</a:t>
+              <a:t>Diagram ERD</a:t>
             </a:r>
             <a:endParaRPr lang="pl-PL" dirty="0"/>
           </a:p>
         </p:txBody>
       </p:sp>
+      <p:pic>
+        <p:nvPicPr>
+          <p:cNvPr id="8" name="Symbol zastępczy zawartości 7"/>
+          <p:cNvPicPr>
+            <a:picLocks noGrp="1" noChangeAspect="1"/>
+          </p:cNvPicPr>
+          <p:nvPr>
+            <p:ph idx="1"/>
+          </p:nvPr>
+        </p:nvPicPr>
+        <p:blipFill>
+          <a:blip r:embed="rId2" cstate="print">
+            <a:extLst>
+              <a:ext uri="{28A0092B-C50C-407E-A947-70E740481C1C}">
+                <a14:useLocalDpi xmlns:a14="http://schemas.microsoft.com/office/drawing/2010/main" val="0"/>
+              </a:ext>
+            </a:extLst>
+          </a:blip>
+          <a:stretch>
+            <a:fillRect/>
+          </a:stretch>
+        </p:blipFill>
+        <p:spPr>
+          <a:xfrm>
+            <a:off x="611188" y="1957896"/>
+            <a:ext cx="8424862" cy="4251895"/>
+          </a:xfrm>
+        </p:spPr>
+      </p:pic>
     </p:spTree>
     <p:extLst>
       <p:ext uri="{BB962C8B-B14F-4D97-AF65-F5344CB8AC3E}">
-        <p14:creationId xmlns:p14="http://schemas.microsoft.com/office/powerpoint/2010/main" val="2541225407"/>
+        <p14:creationId xmlns:p14="http://schemas.microsoft.com/office/powerpoint/2010/main" val="90814864"/>
       </p:ext>
     </p:extLst>
   </p:cSld>
@@ -5316,6 +6174,13 @@
   <p:transition>
     <p:randomBar/>
   </p:transition>
+  <p:timing>
+    <p:tnLst>
+      <p:par>
+        <p:cTn id="1" dur="indefinite" restart="never" nodeType="tmRoot"/>
+      </p:par>
+    </p:tnLst>
+  </p:timing>
 </p:sld>
 </file>
 
@@ -5336,42 +6201,75 @@
           <a:chExt cx="0" cy="0"/>
         </a:xfrm>
       </p:grpSpPr>
-      <p:sp>
-        <p:nvSpPr>
-          <p:cNvPr id="129026" name="Rectangle 2"/>
-          <p:cNvSpPr>
-            <a:spLocks noGrp="1" noChangeArrowheads="1"/>
-          </p:cNvSpPr>
-          <p:nvPr>
-            <p:ph type="ctrTitle"/>
-          </p:nvPr>
-        </p:nvSpPr>
+      <p:pic>
+        <p:nvPicPr>
+          <p:cNvPr id="5" name="Symbol zastępczy zawartości 4"/>
+          <p:cNvPicPr>
+            <a:picLocks noGrp="1" noChangeAspect="1"/>
+          </p:cNvPicPr>
+          <p:nvPr>
+            <p:ph idx="1"/>
+          </p:nvPr>
+        </p:nvPicPr>
+        <p:blipFill>
+          <a:blip r:embed="rId2" cstate="print">
+            <a:extLst>
+              <a:ext uri="{28A0092B-C50C-407E-A947-70E740481C1C}">
+                <a14:useLocalDpi xmlns:a14="http://schemas.microsoft.com/office/drawing/2010/main" val="0"/>
+              </a:ext>
+            </a:extLst>
+          </a:blip>
+          <a:stretch>
+            <a:fillRect/>
+          </a:stretch>
+        </p:blipFill>
         <p:spPr>
           <a:xfrm>
-            <a:off x="1873250" y="1785926"/>
-            <a:ext cx="7089775" cy="4286280"/>
-          </a:xfrm>
-        </p:spPr>
+            <a:off x="611188" y="2474542"/>
+            <a:ext cx="8424862" cy="3218604"/>
+          </a:xfrm>
+        </p:spPr>
+      </p:pic>
+      <p:sp>
+        <p:nvSpPr>
+          <p:cNvPr id="3" name="Symbol zastępczy numeru slajdu 2"/>
+          <p:cNvSpPr>
+            <a:spLocks noGrp="1"/>
+          </p:cNvSpPr>
+          <p:nvPr>
+            <p:ph type="sldNum" sz="quarter" idx="12"/>
+          </p:nvPr>
+        </p:nvSpPr>
+        <p:spPr/>
         <p:txBody>
           <a:bodyPr/>
           <a:lstStyle/>
           <a:p>
-            <a:r>
-              <a:rPr lang="pl-PL" sz="23600" dirty="0" smtClean="0"/>
-              <a:t>?</a:t>
-            </a:r>
-            <a:endParaRPr lang="pl-PL" sz="23600" dirty="0"/>
-          </a:p>
-        </p:txBody>
-      </p:sp>
-      <p:sp>
-        <p:nvSpPr>
-          <p:cNvPr id="129027" name="Rectangle 3"/>
-          <p:cNvSpPr>
-            <a:spLocks noGrp="1" noChangeArrowheads="1"/>
-          </p:cNvSpPr>
-          <p:nvPr>
-            <p:ph type="subTitle" idx="1"/>
+            <a:fld id="{DF66FC49-DFCE-4475-9E6F-B89E83D297F6}" type="slidenum">
+              <a:rPr lang="pl-PL" smtClean="0"/>
+              <a:pPr/>
+              <a:t>7</a:t>
+            </a:fld>
+            <a:r>
+              <a:rPr lang="pl-PL" dirty="0" smtClean="0"/>
+              <a:t> / </a:t>
+            </a:r>
+            <a:r>
+              <a:rPr lang="pl-PL" dirty="0" smtClean="0"/>
+              <a:t>13</a:t>
+            </a:r>
+            <a:endParaRPr lang="pl-PL" dirty="0"/>
+          </a:p>
+        </p:txBody>
+      </p:sp>
+      <p:sp>
+        <p:nvSpPr>
+          <p:cNvPr id="4" name="Tytuł 3"/>
+          <p:cNvSpPr>
+            <a:spLocks noGrp="1"/>
+          </p:cNvSpPr>
+          <p:nvPr>
+            <p:ph type="title"/>
           </p:nvPr>
         </p:nvSpPr>
         <p:spPr/>
@@ -5381,25 +6279,273 @@
           <a:p>
             <a:r>
               <a:rPr lang="pl-PL" dirty="0" smtClean="0"/>
-              <a:t>Dziękuje za uwagę. Czy są jakieś pytania?</a:t>
+              <a:t>Dodawanie przepisu</a:t>
             </a:r>
             <a:endParaRPr lang="pl-PL" dirty="0"/>
           </a:p>
         </p:txBody>
       </p:sp>
     </p:spTree>
+    <p:extLst>
+      <p:ext uri="{BB962C8B-B14F-4D97-AF65-F5344CB8AC3E}">
+        <p14:creationId xmlns:p14="http://schemas.microsoft.com/office/powerpoint/2010/main" val="4103832517"/>
+      </p:ext>
+    </p:extLst>
   </p:cSld>
   <p:clrMapOvr>
     <a:masterClrMapping/>
   </p:clrMapOvr>
-  <mc:AlternateContent xmlns:mc="http://schemas.openxmlformats.org/markup-compatibility/2006" xmlns:p14="http://schemas.microsoft.com/office/powerpoint/2010/main">
-    <mc:Choice Requires="p14">
-      <p:transition p14:dur="10"/>
-    </mc:Choice>
-    <mc:Fallback xmlns="">
-      <p:transition/>
-    </mc:Fallback>
-  </mc:AlternateContent>
+  <p:transition>
+    <p:randomBar/>
+  </p:transition>
+  <p:timing>
+    <p:tnLst>
+      <p:par>
+        <p:cTn id="1" dur="indefinite" restart="never" nodeType="tmRoot"/>
+      </p:par>
+    </p:tnLst>
+  </p:timing>
+</p:sld>
+</file>
+
+<file path=ppt/slides/slide8.xml><?xml version="1.0" encoding="utf-8"?>
+<p:sld xmlns:a="http://schemas.openxmlformats.org/drawingml/2006/main" xmlns:r="http://schemas.openxmlformats.org/officeDocument/2006/relationships" xmlns:p="http://schemas.openxmlformats.org/presentationml/2006/main">
+  <p:cSld>
+    <p:spTree>
+      <p:nvGrpSpPr>
+        <p:cNvPr id="1" name=""/>
+        <p:cNvGrpSpPr/>
+        <p:nvPr/>
+      </p:nvGrpSpPr>
+      <p:grpSpPr>
+        <a:xfrm>
+          <a:off x="0" y="0"/>
+          <a:ext cx="0" cy="0"/>
+          <a:chOff x="0" y="0"/>
+          <a:chExt cx="0" cy="0"/>
+        </a:xfrm>
+      </p:grpSpPr>
+      <p:pic>
+        <p:nvPicPr>
+          <p:cNvPr id="5" name="Symbol zastępczy zawartości 4"/>
+          <p:cNvPicPr>
+            <a:picLocks noGrp="1" noChangeAspect="1"/>
+          </p:cNvPicPr>
+          <p:nvPr>
+            <p:ph idx="1"/>
+          </p:nvPr>
+        </p:nvPicPr>
+        <p:blipFill>
+          <a:blip r:embed="rId2">
+            <a:extLst>
+              <a:ext uri="{28A0092B-C50C-407E-A947-70E740481C1C}">
+                <a14:useLocalDpi xmlns:a14="http://schemas.microsoft.com/office/drawing/2010/main" val="0"/>
+              </a:ext>
+            </a:extLst>
+          </a:blip>
+          <a:stretch>
+            <a:fillRect/>
+          </a:stretch>
+        </p:blipFill>
+        <p:spPr>
+          <a:xfrm>
+            <a:off x="611188" y="2636176"/>
+            <a:ext cx="8424862" cy="2895336"/>
+          </a:xfrm>
+        </p:spPr>
+      </p:pic>
+      <p:sp>
+        <p:nvSpPr>
+          <p:cNvPr id="3" name="Symbol zastępczy numeru slajdu 2"/>
+          <p:cNvSpPr>
+            <a:spLocks noGrp="1"/>
+          </p:cNvSpPr>
+          <p:nvPr>
+            <p:ph type="sldNum" sz="quarter" idx="12"/>
+          </p:nvPr>
+        </p:nvSpPr>
+        <p:spPr/>
+        <p:txBody>
+          <a:bodyPr/>
+          <a:lstStyle/>
+          <a:p>
+            <a:fld id="{DF66FC49-DFCE-4475-9E6F-B89E83D297F6}" type="slidenum">
+              <a:rPr lang="pl-PL" smtClean="0"/>
+              <a:pPr/>
+              <a:t>8</a:t>
+            </a:fld>
+            <a:r>
+              <a:rPr lang="pl-PL" dirty="0" smtClean="0"/>
+              <a:t> / </a:t>
+            </a:r>
+            <a:r>
+              <a:rPr lang="pl-PL" dirty="0" smtClean="0"/>
+              <a:t>13</a:t>
+            </a:r>
+            <a:endParaRPr lang="pl-PL" dirty="0"/>
+          </a:p>
+        </p:txBody>
+      </p:sp>
+      <p:sp>
+        <p:nvSpPr>
+          <p:cNvPr id="4" name="Tytuł 3"/>
+          <p:cNvSpPr>
+            <a:spLocks noGrp="1"/>
+          </p:cNvSpPr>
+          <p:nvPr>
+            <p:ph type="title"/>
+          </p:nvPr>
+        </p:nvSpPr>
+        <p:spPr/>
+        <p:txBody>
+          <a:bodyPr/>
+          <a:lstStyle/>
+          <a:p>
+            <a:r>
+              <a:rPr lang="pl-PL" dirty="0" smtClean="0"/>
+              <a:t>Dodawanie posiłku</a:t>
+            </a:r>
+            <a:endParaRPr lang="pl-PL" dirty="0"/>
+          </a:p>
+        </p:txBody>
+      </p:sp>
+    </p:spTree>
+    <p:extLst>
+      <p:ext uri="{BB962C8B-B14F-4D97-AF65-F5344CB8AC3E}">
+        <p14:creationId xmlns:p14="http://schemas.microsoft.com/office/powerpoint/2010/main" val="3699572579"/>
+      </p:ext>
+    </p:extLst>
+  </p:cSld>
+  <p:clrMapOvr>
+    <a:masterClrMapping/>
+  </p:clrMapOvr>
+  <p:transition>
+    <p:randomBar/>
+  </p:transition>
+  <p:timing>
+    <p:tnLst>
+      <p:par>
+        <p:cTn id="1" dur="indefinite" restart="never" nodeType="tmRoot"/>
+      </p:par>
+    </p:tnLst>
+  </p:timing>
+</p:sld>
+</file>
+
+<file path=ppt/slides/slide9.xml><?xml version="1.0" encoding="utf-8"?>
+<p:sld xmlns:a="http://schemas.openxmlformats.org/drawingml/2006/main" xmlns:r="http://schemas.openxmlformats.org/officeDocument/2006/relationships" xmlns:p="http://schemas.openxmlformats.org/presentationml/2006/main">
+  <p:cSld>
+    <p:spTree>
+      <p:nvGrpSpPr>
+        <p:cNvPr id="1" name=""/>
+        <p:cNvGrpSpPr/>
+        <p:nvPr/>
+      </p:nvGrpSpPr>
+      <p:grpSpPr>
+        <a:xfrm>
+          <a:off x="0" y="0"/>
+          <a:ext cx="0" cy="0"/>
+          <a:chOff x="0" y="0"/>
+          <a:chExt cx="0" cy="0"/>
+        </a:xfrm>
+      </p:grpSpPr>
+      <p:pic>
+        <p:nvPicPr>
+          <p:cNvPr id="6" name="Symbol zastępczy zawartości 5"/>
+          <p:cNvPicPr>
+            <a:picLocks noGrp="1" noChangeAspect="1"/>
+          </p:cNvPicPr>
+          <p:nvPr>
+            <p:ph idx="1"/>
+          </p:nvPr>
+        </p:nvPicPr>
+        <p:blipFill>
+          <a:blip r:embed="rId2">
+            <a:extLst>
+              <a:ext uri="{28A0092B-C50C-407E-A947-70E740481C1C}">
+                <a14:useLocalDpi xmlns:a14="http://schemas.microsoft.com/office/drawing/2010/main" val="0"/>
+              </a:ext>
+            </a:extLst>
+          </a:blip>
+          <a:stretch>
+            <a:fillRect/>
+          </a:stretch>
+        </p:blipFill>
+        <p:spPr>
+          <a:xfrm>
+            <a:off x="611188" y="2611024"/>
+            <a:ext cx="8424862" cy="2945639"/>
+          </a:xfrm>
+        </p:spPr>
+      </p:pic>
+      <p:sp>
+        <p:nvSpPr>
+          <p:cNvPr id="3" name="Symbol zastępczy numeru slajdu 2"/>
+          <p:cNvSpPr>
+            <a:spLocks noGrp="1"/>
+          </p:cNvSpPr>
+          <p:nvPr>
+            <p:ph type="sldNum" sz="quarter" idx="12"/>
+          </p:nvPr>
+        </p:nvSpPr>
+        <p:spPr/>
+        <p:txBody>
+          <a:bodyPr/>
+          <a:lstStyle/>
+          <a:p>
+            <a:fld id="{DF66FC49-DFCE-4475-9E6F-B89E83D297F6}" type="slidenum">
+              <a:rPr lang="pl-PL" smtClean="0"/>
+              <a:pPr/>
+              <a:t>9</a:t>
+            </a:fld>
+            <a:r>
+              <a:rPr lang="pl-PL" dirty="0" smtClean="0"/>
+              <a:t> / </a:t>
+            </a:r>
+            <a:r>
+              <a:rPr lang="pl-PL" dirty="0" smtClean="0"/>
+              <a:t>13</a:t>
+            </a:r>
+            <a:endParaRPr lang="pl-PL" dirty="0"/>
+          </a:p>
+        </p:txBody>
+      </p:sp>
+      <p:sp>
+        <p:nvSpPr>
+          <p:cNvPr id="4" name="Tytuł 3"/>
+          <p:cNvSpPr>
+            <a:spLocks noGrp="1"/>
+          </p:cNvSpPr>
+          <p:nvPr>
+            <p:ph type="title"/>
+          </p:nvPr>
+        </p:nvSpPr>
+        <p:spPr/>
+        <p:txBody>
+          <a:bodyPr/>
+          <a:lstStyle/>
+          <a:p>
+            <a:r>
+              <a:rPr lang="pl-PL" dirty="0" smtClean="0"/>
+              <a:t>Dodawanie listy zakupowej</a:t>
+            </a:r>
+            <a:endParaRPr lang="pl-PL" dirty="0"/>
+          </a:p>
+        </p:txBody>
+      </p:sp>
+    </p:spTree>
+    <p:extLst>
+      <p:ext uri="{BB962C8B-B14F-4D97-AF65-F5344CB8AC3E}">
+        <p14:creationId xmlns:p14="http://schemas.microsoft.com/office/powerpoint/2010/main" val="1248375241"/>
+      </p:ext>
+    </p:extLst>
+  </p:cSld>
+  <p:clrMapOvr>
+    <a:masterClrMapping/>
+  </p:clrMapOvr>
+  <p:transition>
+    <p:randomBar/>
+  </p:transition>
   <p:timing>
     <p:tnLst>
       <p:par>

--- a/doc/Presentation.pptx
+++ b/doc/Presentation.pptx
@@ -1786,13 +1786,8 @@
             </a:fld>
             <a:r>
               <a:rPr lang="pl-PL" dirty="0" smtClean="0"/>
-              <a:t> / </a:t>
-            </a:r>
-            <a:r>
-              <a:rPr lang="pl-PL" dirty="0" smtClean="0"/>
-              <a:t>13</a:t>
-            </a:r>
-            <a:endParaRPr lang="pl-PL" dirty="0" smtClean="0"/>
+              <a:t> / 13</a:t>
+            </a:r>
           </a:p>
           <a:p>
             <a:endParaRPr lang="pl-PL" dirty="0"/>
@@ -2029,13 +2024,8 @@
             </a:fld>
             <a:r>
               <a:rPr lang="pl-PL" dirty="0" smtClean="0"/>
-              <a:t> / </a:t>
-            </a:r>
-            <a:r>
-              <a:rPr lang="pl-PL" dirty="0" smtClean="0"/>
-              <a:t>13</a:t>
-            </a:r>
-            <a:endParaRPr lang="pl-PL" dirty="0" smtClean="0"/>
+              <a:t> / 13</a:t>
+            </a:r>
           </a:p>
           <a:p>
             <a:endParaRPr lang="pl-PL" dirty="0"/>
@@ -2230,11 +2220,7 @@
             </a:fld>
             <a:r>
               <a:rPr lang="pl-PL" dirty="0" smtClean="0"/>
-              <a:t> / </a:t>
-            </a:r>
-            <a:r>
-              <a:rPr lang="pl-PL" dirty="0" smtClean="0"/>
-              <a:t>13</a:t>
+              <a:t> / 13</a:t>
             </a:r>
             <a:endParaRPr lang="pl-PL" dirty="0"/>
           </a:p>
@@ -2491,11 +2477,7 @@
             </a:fld>
             <a:r>
               <a:rPr lang="pl-PL" dirty="0" smtClean="0"/>
-              <a:t> / </a:t>
-            </a:r>
-            <a:r>
-              <a:rPr lang="pl-PL" dirty="0" smtClean="0"/>
-              <a:t>13</a:t>
+              <a:t> / 13</a:t>
             </a:r>
             <a:endParaRPr lang="pl-PL" dirty="0"/>
           </a:p>
@@ -3294,11 +3276,7 @@
             </a:fld>
             <a:r>
               <a:rPr lang="pl-PL" dirty="0" smtClean="0"/>
-              <a:t> / </a:t>
-            </a:r>
-            <a:r>
-              <a:rPr lang="pl-PL" dirty="0" smtClean="0"/>
-              <a:t>13</a:t>
+              <a:t> / 13</a:t>
             </a:r>
             <a:endParaRPr lang="pl-PL" dirty="0"/>
           </a:p>
@@ -3458,11 +3436,7 @@
             </a:fld>
             <a:r>
               <a:rPr lang="pl-PL" dirty="0" smtClean="0"/>
-              <a:t> / </a:t>
-            </a:r>
-            <a:r>
-              <a:rPr lang="pl-PL" dirty="0" smtClean="0"/>
-              <a:t>13</a:t>
+              <a:t> / 13</a:t>
             </a:r>
             <a:endParaRPr lang="pl-PL" dirty="0"/>
           </a:p>
@@ -3613,13 +3587,8 @@
             </a:fld>
             <a:r>
               <a:rPr lang="pl-PL" dirty="0" smtClean="0"/>
-              <a:t> / </a:t>
-            </a:r>
-            <a:r>
-              <a:rPr lang="pl-PL" dirty="0" smtClean="0"/>
-              <a:t>13</a:t>
-            </a:r>
-            <a:endParaRPr lang="pl-PL" dirty="0" smtClean="0"/>
+              <a:t> / 13</a:t>
+            </a:r>
           </a:p>
           <a:p>
             <a:endParaRPr lang="pl-PL" dirty="0"/>
@@ -3953,13 +3922,8 @@
             </a:fld>
             <a:r>
               <a:rPr lang="pl-PL" dirty="0" smtClean="0"/>
-              <a:t> / </a:t>
-            </a:r>
-            <a:r>
-              <a:rPr lang="pl-PL" dirty="0" smtClean="0"/>
-              <a:t>13</a:t>
-            </a:r>
-            <a:endParaRPr lang="pl-PL" dirty="0" smtClean="0"/>
+              <a:t> / 13</a:t>
+            </a:r>
           </a:p>
           <a:p>
             <a:endParaRPr lang="pl-PL" dirty="0"/>
@@ -4274,13 +4238,8 @@
             </a:fld>
             <a:r>
               <a:rPr lang="pl-PL" dirty="0" smtClean="0"/>
-              <a:t> / </a:t>
-            </a:r>
-            <a:r>
-              <a:rPr lang="pl-PL" dirty="0" smtClean="0"/>
-              <a:t>13</a:t>
-            </a:r>
-            <a:endParaRPr lang="pl-PL" dirty="0" smtClean="0"/>
+              <a:t> / 13</a:t>
+            </a:r>
           </a:p>
           <a:p>
             <a:endParaRPr lang="pl-PL" dirty="0"/>
@@ -5152,11 +5111,7 @@
             </a:fld>
             <a:r>
               <a:rPr lang="pl-PL" dirty="0" smtClean="0"/>
-              <a:t> / </a:t>
-            </a:r>
-            <a:r>
-              <a:rPr lang="pl-PL" dirty="0" smtClean="0"/>
-              <a:t>13</a:t>
+              <a:t> / 13</a:t>
             </a:r>
             <a:endParaRPr lang="pl-PL" dirty="0"/>
           </a:p>
@@ -5266,11 +5221,7 @@
             </a:fld>
             <a:r>
               <a:rPr lang="pl-PL" dirty="0" smtClean="0"/>
-              <a:t> / </a:t>
-            </a:r>
-            <a:r>
-              <a:rPr lang="pl-PL" dirty="0" smtClean="0"/>
-              <a:t>13</a:t>
+              <a:t> / 13</a:t>
             </a:r>
             <a:endParaRPr lang="pl-PL" dirty="0"/>
           </a:p>
@@ -5394,11 +5345,7 @@
             </a:fld>
             <a:r>
               <a:rPr lang="pl-PL" dirty="0" smtClean="0"/>
-              <a:t> / </a:t>
-            </a:r>
-            <a:r>
-              <a:rPr lang="pl-PL" dirty="0" smtClean="0"/>
-              <a:t>13</a:t>
+              <a:t> / 13</a:t>
             </a:r>
             <a:endParaRPr lang="pl-PL" dirty="0"/>
           </a:p>
@@ -5647,11 +5594,7 @@
             </a:fld>
             <a:r>
               <a:rPr lang="pl-PL" dirty="0" smtClean="0"/>
-              <a:t> / </a:t>
-            </a:r>
-            <a:r>
-              <a:rPr lang="pl-PL" dirty="0" smtClean="0"/>
-              <a:t>13</a:t>
+              <a:t> / 13</a:t>
             </a:r>
             <a:endParaRPr lang="pl-PL" dirty="0"/>
           </a:p>
@@ -5719,11 +5662,7 @@
             </a:fld>
             <a:r>
               <a:rPr lang="pl-PL" dirty="0" smtClean="0"/>
-              <a:t> / </a:t>
-            </a:r>
-            <a:r>
-              <a:rPr lang="pl-PL" dirty="0" smtClean="0"/>
-              <a:t>13</a:t>
+              <a:t> / 13</a:t>
             </a:r>
             <a:endParaRPr lang="pl-PL" dirty="0"/>
           </a:p>
@@ -5843,11 +5782,7 @@
             </a:fld>
             <a:r>
               <a:rPr lang="pl-PL" dirty="0" smtClean="0"/>
-              <a:t> / </a:t>
-            </a:r>
-            <a:r>
-              <a:rPr lang="pl-PL" dirty="0" smtClean="0"/>
-              <a:t>13</a:t>
+              <a:t> / 13</a:t>
             </a:r>
             <a:endParaRPr lang="pl-PL" dirty="0"/>
           </a:p>
@@ -5878,7 +5813,7 @@
       </p:sp>
       <p:pic>
         <p:nvPicPr>
-          <p:cNvPr id="7" name="Symbol zastępczy zawartości 6" descr="Wycinek ekranu"/>
+          <p:cNvPr id="5" name="Symbol zastępczy zawartości 4" descr="Wycinek ekranu"/>
           <p:cNvPicPr>
             <a:picLocks noGrp="1" noChangeAspect="1"/>
           </p:cNvPicPr>
@@ -5900,8 +5835,8 @@
         </p:blipFill>
         <p:spPr>
           <a:xfrm>
-            <a:off x="611188" y="2079542"/>
-            <a:ext cx="8424862" cy="4008603"/>
+            <a:off x="611188" y="2027382"/>
+            <a:ext cx="8424862" cy="4112924"/>
           </a:xfrm>
         </p:spPr>
       </p:pic>
@@ -5996,11 +5931,7 @@
             </a:fld>
             <a:r>
               <a:rPr lang="pl-PL" dirty="0" smtClean="0"/>
-              <a:t> / </a:t>
-            </a:r>
-            <a:r>
-              <a:rPr lang="pl-PL" dirty="0" smtClean="0"/>
-              <a:t>13</a:t>
+              <a:t> / 13</a:t>
             </a:r>
             <a:endParaRPr lang="pl-PL" dirty="0"/>
           </a:p>
@@ -6099,11 +6030,7 @@
             </a:fld>
             <a:r>
               <a:rPr lang="pl-PL" dirty="0" smtClean="0"/>
-              <a:t> / </a:t>
-            </a:r>
-            <a:r>
-              <a:rPr lang="pl-PL" dirty="0" smtClean="0"/>
-              <a:t>13</a:t>
+              <a:t> / 13</a:t>
             </a:r>
             <a:endParaRPr lang="pl-PL" dirty="0"/>
           </a:p>
@@ -6252,11 +6179,7 @@
             </a:fld>
             <a:r>
               <a:rPr lang="pl-PL" dirty="0" smtClean="0"/>
-              <a:t> / </a:t>
-            </a:r>
-            <a:r>
-              <a:rPr lang="pl-PL" dirty="0" smtClean="0"/>
-              <a:t>13</a:t>
+              <a:t> / 13</a:t>
             </a:r>
             <a:endParaRPr lang="pl-PL" dirty="0"/>
           </a:p>
@@ -6376,11 +6299,7 @@
             </a:fld>
             <a:r>
               <a:rPr lang="pl-PL" dirty="0" smtClean="0"/>
-              <a:t> / </a:t>
-            </a:r>
-            <a:r>
-              <a:rPr lang="pl-PL" dirty="0" smtClean="0"/>
-              <a:t>13</a:t>
+              <a:t> / 13</a:t>
             </a:r>
             <a:endParaRPr lang="pl-PL" dirty="0"/>
           </a:p>
@@ -6500,11 +6419,7 @@
             </a:fld>
             <a:r>
               <a:rPr lang="pl-PL" dirty="0" smtClean="0"/>
-              <a:t> / </a:t>
-            </a:r>
-            <a:r>
-              <a:rPr lang="pl-PL" dirty="0" smtClean="0"/>
-              <a:t>13</a:t>
+              <a:t> / 13</a:t>
             </a:r>
             <a:endParaRPr lang="pl-PL" dirty="0"/>
           </a:p>
